--- a/vocabulary/SampledFeatureDecisionTreeV4.pptx
+++ b/vocabulary/SampledFeatureDecisionTreeV4.pptx
@@ -243,7 +243,7 @@
           <a:p>
             <a:fld id="{47AA5A20-FE08-4F04-A6A9-90A748025DF5}" type="datetimeFigureOut">
               <a:rPr lang="en-US" smtClean="0"/>
-              <a:t>6/9/2021</a:t>
+              <a:t>7/1/2021</a:t>
             </a:fld>
             <a:endParaRPr lang="en-US"/>
           </a:p>
@@ -413,7 +413,7 @@
           <a:p>
             <a:fld id="{47AA5A20-FE08-4F04-A6A9-90A748025DF5}" type="datetimeFigureOut">
               <a:rPr lang="en-US" smtClean="0"/>
-              <a:t>6/9/2021</a:t>
+              <a:t>7/1/2021</a:t>
             </a:fld>
             <a:endParaRPr lang="en-US"/>
           </a:p>
@@ -593,7 +593,7 @@
           <a:p>
             <a:fld id="{47AA5A20-FE08-4F04-A6A9-90A748025DF5}" type="datetimeFigureOut">
               <a:rPr lang="en-US" smtClean="0"/>
-              <a:t>6/9/2021</a:t>
+              <a:t>7/1/2021</a:t>
             </a:fld>
             <a:endParaRPr lang="en-US"/>
           </a:p>
@@ -763,7 +763,7 @@
           <a:p>
             <a:fld id="{47AA5A20-FE08-4F04-A6A9-90A748025DF5}" type="datetimeFigureOut">
               <a:rPr lang="en-US" smtClean="0"/>
-              <a:t>6/9/2021</a:t>
+              <a:t>7/1/2021</a:t>
             </a:fld>
             <a:endParaRPr lang="en-US"/>
           </a:p>
@@ -1007,7 +1007,7 @@
           <a:p>
             <a:fld id="{47AA5A20-FE08-4F04-A6A9-90A748025DF5}" type="datetimeFigureOut">
               <a:rPr lang="en-US" smtClean="0"/>
-              <a:t>6/9/2021</a:t>
+              <a:t>7/1/2021</a:t>
             </a:fld>
             <a:endParaRPr lang="en-US"/>
           </a:p>
@@ -1239,7 +1239,7 @@
           <a:p>
             <a:fld id="{47AA5A20-FE08-4F04-A6A9-90A748025DF5}" type="datetimeFigureOut">
               <a:rPr lang="en-US" smtClean="0"/>
-              <a:t>6/9/2021</a:t>
+              <a:t>7/1/2021</a:t>
             </a:fld>
             <a:endParaRPr lang="en-US"/>
           </a:p>
@@ -1606,7 +1606,7 @@
           <a:p>
             <a:fld id="{47AA5A20-FE08-4F04-A6A9-90A748025DF5}" type="datetimeFigureOut">
               <a:rPr lang="en-US" smtClean="0"/>
-              <a:t>6/9/2021</a:t>
+              <a:t>7/1/2021</a:t>
             </a:fld>
             <a:endParaRPr lang="en-US"/>
           </a:p>
@@ -1724,7 +1724,7 @@
           <a:p>
             <a:fld id="{47AA5A20-FE08-4F04-A6A9-90A748025DF5}" type="datetimeFigureOut">
               <a:rPr lang="en-US" smtClean="0"/>
-              <a:t>6/9/2021</a:t>
+              <a:t>7/1/2021</a:t>
             </a:fld>
             <a:endParaRPr lang="en-US"/>
           </a:p>
@@ -1819,7 +1819,7 @@
           <a:p>
             <a:fld id="{47AA5A20-FE08-4F04-A6A9-90A748025DF5}" type="datetimeFigureOut">
               <a:rPr lang="en-US" smtClean="0"/>
-              <a:t>6/9/2021</a:t>
+              <a:t>7/1/2021</a:t>
             </a:fld>
             <a:endParaRPr lang="en-US"/>
           </a:p>
@@ -2096,7 +2096,7 @@
           <a:p>
             <a:fld id="{47AA5A20-FE08-4F04-A6A9-90A748025DF5}" type="datetimeFigureOut">
               <a:rPr lang="en-US" smtClean="0"/>
-              <a:t>6/9/2021</a:t>
+              <a:t>7/1/2021</a:t>
             </a:fld>
             <a:endParaRPr lang="en-US"/>
           </a:p>
@@ -2353,7 +2353,7 @@
           <a:p>
             <a:fld id="{47AA5A20-FE08-4F04-A6A9-90A748025DF5}" type="datetimeFigureOut">
               <a:rPr lang="en-US" smtClean="0"/>
-              <a:t>6/9/2021</a:t>
+              <a:t>7/1/2021</a:t>
             </a:fld>
             <a:endParaRPr lang="en-US"/>
           </a:p>
@@ -2566,7 +2566,7 @@
           <a:p>
             <a:fld id="{47AA5A20-FE08-4F04-A6A9-90A748025DF5}" type="datetimeFigureOut">
               <a:rPr lang="en-US" smtClean="0"/>
-              <a:t>6/9/2021</a:t>
+              <a:t>7/1/2021</a:t>
             </a:fld>
             <a:endParaRPr lang="en-US"/>
           </a:p>
@@ -4264,8 +4264,8 @@
         </p:nvSpPr>
         <p:spPr>
           <a:xfrm>
-            <a:off x="9030468" y="4900738"/>
-            <a:ext cx="1508101" cy="646331"/>
+            <a:off x="8911742" y="4737807"/>
+            <a:ext cx="1508101" cy="923330"/>
           </a:xfrm>
           <a:prstGeom prst="rect">
             <a:avLst/>
@@ -4281,7 +4281,21 @@
             <a:pPr algn="ctr"/>
             <a:r>
               <a:rPr lang="en-US" b="1" dirty="0"/>
-              <a:t>Laboratory environment</a:t>
+              <a:t>Laboratory </a:t>
+            </a:r>
+            <a:r>
+              <a:rPr lang="en-US" b="1" i="0" dirty="0">
+                <a:solidFill>
+                  <a:srgbClr val="1D1C1D"/>
+                </a:solidFill>
+                <a:effectLst/>
+                <a:latin typeface="Slack-Lato"/>
+              </a:rPr>
+              <a:t>and curatorial</a:t>
+            </a:r>
+            <a:r>
+              <a:rPr lang="en-US" b="1" dirty="0"/>
+              <a:t> environment</a:t>
             </a:r>
           </a:p>
         </p:txBody>
@@ -4401,7 +4415,7 @@
         <p:spPr>
           <a:xfrm>
             <a:off x="11842980" y="4671198"/>
-            <a:ext cx="735990" cy="1307282"/>
+            <a:ext cx="691011" cy="1307282"/>
           </a:xfrm>
           <a:prstGeom prst="straightConnector1">
             <a:avLst/>
@@ -5367,8 +5381,8 @@
         </p:nvSpPr>
         <p:spPr>
           <a:xfrm>
-            <a:off x="11722763" y="5978480"/>
-            <a:ext cx="1712414" cy="646331"/>
+            <a:off x="11632805" y="5978480"/>
+            <a:ext cx="1802372" cy="646331"/>
           </a:xfrm>
           <a:prstGeom prst="rect">
             <a:avLst/>
@@ -5383,9 +5397,25 @@
           <a:p>
             <a:pPr algn="ctr"/>
             <a:r>
-              <a:rPr lang="en-US" b="1" dirty="0"/>
-              <a:t>Historic human occupation site</a:t>
-            </a:r>
+              <a:rPr lang="en-US" b="1" dirty="0">
+                <a:solidFill>
+                  <a:srgbClr val="1D1C1D"/>
+                </a:solidFill>
+                <a:latin typeface="Slack-Lato"/>
+              </a:rPr>
+              <a:t>S</a:t>
+            </a:r>
+            <a:r>
+              <a:rPr lang="en-US" b="1" i="0" dirty="0">
+                <a:solidFill>
+                  <a:srgbClr val="1D1C1D"/>
+                </a:solidFill>
+                <a:effectLst/>
+                <a:latin typeface="Slack-Lato"/>
+              </a:rPr>
+              <a:t>ite of past human activities</a:t>
+            </a:r>
+            <a:endParaRPr lang="en-US" b="1" dirty="0"/>
           </a:p>
         </p:txBody>
       </p:sp>
@@ -5991,7 +6021,7 @@
         </p:nvSpPr>
         <p:spPr>
           <a:xfrm>
-            <a:off x="9274594" y="5497030"/>
+            <a:off x="9141055" y="5625912"/>
             <a:ext cx="872510" cy="246221"/>
           </a:xfrm>
           <a:prstGeom prst="rect">
@@ -6333,7 +6363,7 @@
         <p:spPr>
           <a:xfrm>
             <a:off x="8911707" y="4278957"/>
-            <a:ext cx="872812" cy="621781"/>
+            <a:ext cx="754086" cy="458850"/>
           </a:xfrm>
           <a:prstGeom prst="straightConnector1">
             <a:avLst/>
@@ -6542,7 +6572,7 @@
         <p:spPr>
           <a:xfrm>
             <a:off x="11799631" y="6559389"/>
-            <a:ext cx="1808190" cy="553998"/>
+            <a:ext cx="1808190" cy="707886"/>
           </a:xfrm>
           <a:prstGeom prst="rect">
             <a:avLst/>
@@ -6557,7 +6587,7 @@
           <a:p>
             <a:r>
               <a:rPr lang="en-US" sz="1000" dirty="0"/>
-              <a:t>A place where humans have been and left evidence of their activity</a:t>
+              <a:t>A place where humans (including related prehistoric hominids)  have been and left evidence of their activity</a:t>
             </a:r>
           </a:p>
         </p:txBody>

--- a/vocabulary/SampledFeatureDecisionTreeV4.pptx
+++ b/vocabulary/SampledFeatureDecisionTreeV4.pptx
@@ -243,7 +243,7 @@
           <a:p>
             <a:fld id="{47AA5A20-FE08-4F04-A6A9-90A748025DF5}" type="datetimeFigureOut">
               <a:rPr lang="en-US" smtClean="0"/>
-              <a:t>6/9/2021</a:t>
+              <a:t>7/3/2021</a:t>
             </a:fld>
             <a:endParaRPr lang="en-US"/>
           </a:p>
@@ -413,7 +413,7 @@
           <a:p>
             <a:fld id="{47AA5A20-FE08-4F04-A6A9-90A748025DF5}" type="datetimeFigureOut">
               <a:rPr lang="en-US" smtClean="0"/>
-              <a:t>6/9/2021</a:t>
+              <a:t>7/3/2021</a:t>
             </a:fld>
             <a:endParaRPr lang="en-US"/>
           </a:p>
@@ -593,7 +593,7 @@
           <a:p>
             <a:fld id="{47AA5A20-FE08-4F04-A6A9-90A748025DF5}" type="datetimeFigureOut">
               <a:rPr lang="en-US" smtClean="0"/>
-              <a:t>6/9/2021</a:t>
+              <a:t>7/3/2021</a:t>
             </a:fld>
             <a:endParaRPr lang="en-US"/>
           </a:p>
@@ -763,7 +763,7 @@
           <a:p>
             <a:fld id="{47AA5A20-FE08-4F04-A6A9-90A748025DF5}" type="datetimeFigureOut">
               <a:rPr lang="en-US" smtClean="0"/>
-              <a:t>6/9/2021</a:t>
+              <a:t>7/3/2021</a:t>
             </a:fld>
             <a:endParaRPr lang="en-US"/>
           </a:p>
@@ -1007,7 +1007,7 @@
           <a:p>
             <a:fld id="{47AA5A20-FE08-4F04-A6A9-90A748025DF5}" type="datetimeFigureOut">
               <a:rPr lang="en-US" smtClean="0"/>
-              <a:t>6/9/2021</a:t>
+              <a:t>7/3/2021</a:t>
             </a:fld>
             <a:endParaRPr lang="en-US"/>
           </a:p>
@@ -1239,7 +1239,7 @@
           <a:p>
             <a:fld id="{47AA5A20-FE08-4F04-A6A9-90A748025DF5}" type="datetimeFigureOut">
               <a:rPr lang="en-US" smtClean="0"/>
-              <a:t>6/9/2021</a:t>
+              <a:t>7/3/2021</a:t>
             </a:fld>
             <a:endParaRPr lang="en-US"/>
           </a:p>
@@ -1606,7 +1606,7 @@
           <a:p>
             <a:fld id="{47AA5A20-FE08-4F04-A6A9-90A748025DF5}" type="datetimeFigureOut">
               <a:rPr lang="en-US" smtClean="0"/>
-              <a:t>6/9/2021</a:t>
+              <a:t>7/3/2021</a:t>
             </a:fld>
             <a:endParaRPr lang="en-US"/>
           </a:p>
@@ -1724,7 +1724,7 @@
           <a:p>
             <a:fld id="{47AA5A20-FE08-4F04-A6A9-90A748025DF5}" type="datetimeFigureOut">
               <a:rPr lang="en-US" smtClean="0"/>
-              <a:t>6/9/2021</a:t>
+              <a:t>7/3/2021</a:t>
             </a:fld>
             <a:endParaRPr lang="en-US"/>
           </a:p>
@@ -1819,7 +1819,7 @@
           <a:p>
             <a:fld id="{47AA5A20-FE08-4F04-A6A9-90A748025DF5}" type="datetimeFigureOut">
               <a:rPr lang="en-US" smtClean="0"/>
-              <a:t>6/9/2021</a:t>
+              <a:t>7/3/2021</a:t>
             </a:fld>
             <a:endParaRPr lang="en-US"/>
           </a:p>
@@ -2096,7 +2096,7 @@
           <a:p>
             <a:fld id="{47AA5A20-FE08-4F04-A6A9-90A748025DF5}" type="datetimeFigureOut">
               <a:rPr lang="en-US" smtClean="0"/>
-              <a:t>6/9/2021</a:t>
+              <a:t>7/3/2021</a:t>
             </a:fld>
             <a:endParaRPr lang="en-US"/>
           </a:p>
@@ -2353,7 +2353,7 @@
           <a:p>
             <a:fld id="{47AA5A20-FE08-4F04-A6A9-90A748025DF5}" type="datetimeFigureOut">
               <a:rPr lang="en-US" smtClean="0"/>
-              <a:t>6/9/2021</a:t>
+              <a:t>7/3/2021</a:t>
             </a:fld>
             <a:endParaRPr lang="en-US"/>
           </a:p>
@@ -2566,7 +2566,7 @@
           <a:p>
             <a:fld id="{47AA5A20-FE08-4F04-A6A9-90A748025DF5}" type="datetimeFigureOut">
               <a:rPr lang="en-US" smtClean="0"/>
-              <a:t>6/9/2021</a:t>
+              <a:t>7/3/2021</a:t>
             </a:fld>
             <a:endParaRPr lang="en-US"/>
           </a:p>
@@ -2973,10 +2973,10 @@
       </p:grpSpPr>
       <p:sp>
         <p:nvSpPr>
-          <p:cNvPr id="5" name="Rectangle 4">
-            <a:extLst>
-              <a:ext uri="{FF2B5EF4-FFF2-40B4-BE49-F238E27FC236}">
-                <a16:creationId xmlns:a16="http://schemas.microsoft.com/office/drawing/2014/main" id="{B30DEAC0-4FA8-479D-9A91-D25369722D3B}"/>
+          <p:cNvPr id="7" name="Rectangle 6">
+            <a:extLst>
+              <a:ext uri="{FF2B5EF4-FFF2-40B4-BE49-F238E27FC236}">
+                <a16:creationId xmlns:a16="http://schemas.microsoft.com/office/drawing/2014/main" id="{AD7B1F25-C618-469A-915A-5CE80DE28650}"/>
               </a:ext>
             </a:extLst>
           </p:cNvPr>
@@ -2985,8 +2985,8 @@
         </p:nvSpPr>
         <p:spPr>
           <a:xfrm>
-            <a:off x="535708" y="1264439"/>
-            <a:ext cx="1612817" cy="646331"/>
+            <a:off x="6354914" y="1401991"/>
+            <a:ext cx="1648953" cy="629682"/>
           </a:xfrm>
           <a:prstGeom prst="rect">
             <a:avLst/>
@@ -3025,325 +3025,17 @@
                   <a:schemeClr val="tx1"/>
                 </a:solidFill>
               </a:rPr>
-              <a:t>Biological environment?</a:t>
-            </a:r>
-          </a:p>
-        </p:txBody>
-      </p:sp>
-      <p:sp>
-        <p:nvSpPr>
-          <p:cNvPr id="6" name="Rectangle 5">
-            <a:extLst>
-              <a:ext uri="{FF2B5EF4-FFF2-40B4-BE49-F238E27FC236}">
-                <a16:creationId xmlns:a16="http://schemas.microsoft.com/office/drawing/2014/main" id="{98B3F3E7-37FC-4D15-A507-5CA3BAE39B7D}"/>
-              </a:ext>
-            </a:extLst>
-          </p:cNvPr>
-          <p:cNvSpPr/>
-          <p:nvPr/>
-        </p:nvSpPr>
-        <p:spPr>
-          <a:xfrm>
-            <a:off x="840888" y="2745548"/>
-            <a:ext cx="1002736" cy="337872"/>
-          </a:xfrm>
-          <a:prstGeom prst="rect">
-            <a:avLst/>
-          </a:prstGeom>
-          <a:solidFill>
-            <a:schemeClr val="accent3">
-              <a:lumMod val="40000"/>
-              <a:lumOff val="60000"/>
-            </a:schemeClr>
-          </a:solidFill>
-        </p:spPr>
-        <p:style>
-          <a:lnRef idx="2">
-            <a:schemeClr val="accent1">
-              <a:shade val="50000"/>
-            </a:schemeClr>
-          </a:lnRef>
-          <a:fillRef idx="1">
-            <a:schemeClr val="accent1"/>
-          </a:fillRef>
-          <a:effectRef idx="0">
-            <a:schemeClr val="accent1"/>
-          </a:effectRef>
-          <a:fontRef idx="minor">
-            <a:schemeClr val="lt1"/>
-          </a:fontRef>
-        </p:style>
-        <p:txBody>
-          <a:bodyPr rtlCol="0" anchor="ctr"/>
-          <a:lstStyle/>
-          <a:p>
-            <a:pPr algn="ctr"/>
-            <a:r>
-              <a:rPr lang="en-US" dirty="0">
-                <a:solidFill>
-                  <a:schemeClr val="tx1"/>
-                </a:solidFill>
-              </a:rPr>
-              <a:t>Marine?</a:t>
-            </a:r>
-          </a:p>
-        </p:txBody>
-      </p:sp>
-      <p:sp>
-        <p:nvSpPr>
-          <p:cNvPr id="7" name="Rectangle 6">
-            <a:extLst>
-              <a:ext uri="{FF2B5EF4-FFF2-40B4-BE49-F238E27FC236}">
-                <a16:creationId xmlns:a16="http://schemas.microsoft.com/office/drawing/2014/main" id="{AD7B1F25-C618-469A-915A-5CE80DE28650}"/>
-              </a:ext>
-            </a:extLst>
-          </p:cNvPr>
-          <p:cNvSpPr/>
-          <p:nvPr/>
-        </p:nvSpPr>
-        <p:spPr>
-          <a:xfrm>
-            <a:off x="7179391" y="1666675"/>
-            <a:ext cx="1648953" cy="629682"/>
-          </a:xfrm>
-          <a:prstGeom prst="rect">
-            <a:avLst/>
-          </a:prstGeom>
-          <a:solidFill>
-            <a:schemeClr val="accent3">
-              <a:lumMod val="40000"/>
-              <a:lumOff val="60000"/>
-            </a:schemeClr>
-          </a:solidFill>
-        </p:spPr>
-        <p:style>
-          <a:lnRef idx="2">
-            <a:schemeClr val="accent1">
-              <a:shade val="50000"/>
-            </a:schemeClr>
-          </a:lnRef>
-          <a:fillRef idx="1">
-            <a:schemeClr val="accent1"/>
-          </a:fillRef>
-          <a:effectRef idx="0">
-            <a:schemeClr val="accent1"/>
-          </a:effectRef>
-          <a:fontRef idx="minor">
-            <a:schemeClr val="lt1"/>
-          </a:fontRef>
-        </p:style>
-        <p:txBody>
-          <a:bodyPr rtlCol="0" anchor="ctr"/>
-          <a:lstStyle/>
-          <a:p>
-            <a:pPr algn="ctr"/>
-            <a:r>
-              <a:rPr lang="en-US" dirty="0">
-                <a:solidFill>
-                  <a:schemeClr val="tx1"/>
-                </a:solidFill>
-              </a:rPr>
               <a:t>Anthropogenic environment</a:t>
             </a:r>
           </a:p>
         </p:txBody>
       </p:sp>
-      <p:cxnSp>
-        <p:nvCxnSpPr>
-          <p:cNvPr id="8" name="Straight Arrow Connector 7">
-            <a:extLst>
-              <a:ext uri="{FF2B5EF4-FFF2-40B4-BE49-F238E27FC236}">
-                <a16:creationId xmlns:a16="http://schemas.microsoft.com/office/drawing/2014/main" id="{5181D725-CAB9-4679-B5AC-C418EA3E677B}"/>
-              </a:ext>
-            </a:extLst>
-          </p:cNvPr>
-          <p:cNvCxnSpPr>
-            <a:cxnSpLocks/>
-            <a:stCxn id="6" idx="2"/>
-            <a:endCxn id="14" idx="1"/>
-          </p:cNvCxnSpPr>
-          <p:nvPr/>
-        </p:nvCxnSpPr>
-        <p:spPr>
-          <a:xfrm>
-            <a:off x="1342256" y="3083420"/>
-            <a:ext cx="522166" cy="625623"/>
-          </a:xfrm>
-          <a:prstGeom prst="straightConnector1">
-            <a:avLst/>
-          </a:prstGeom>
-          <a:ln w="57150">
-            <a:solidFill>
-              <a:srgbClr val="00B050"/>
-            </a:solidFill>
-            <a:headEnd type="none" w="med" len="med"/>
-            <a:tailEnd type="triangle" w="med" len="med"/>
-          </a:ln>
-        </p:spPr>
-        <p:style>
-          <a:lnRef idx="1">
-            <a:schemeClr val="accent1"/>
-          </a:lnRef>
-          <a:fillRef idx="0">
-            <a:schemeClr val="accent1"/>
-          </a:fillRef>
-          <a:effectRef idx="0">
-            <a:schemeClr val="accent1"/>
-          </a:effectRef>
-          <a:fontRef idx="minor">
-            <a:schemeClr val="tx1"/>
-          </a:fontRef>
-        </p:style>
-      </p:cxnSp>
-      <p:cxnSp>
-        <p:nvCxnSpPr>
-          <p:cNvPr id="9" name="Straight Arrow Connector 8">
-            <a:extLst>
-              <a:ext uri="{FF2B5EF4-FFF2-40B4-BE49-F238E27FC236}">
-                <a16:creationId xmlns:a16="http://schemas.microsoft.com/office/drawing/2014/main" id="{C560DC8B-721D-4284-A0AC-71A1E009FC8E}"/>
-              </a:ext>
-            </a:extLst>
-          </p:cNvPr>
-          <p:cNvCxnSpPr>
-            <a:cxnSpLocks/>
-            <a:stCxn id="5" idx="3"/>
-            <a:endCxn id="90" idx="1"/>
-          </p:cNvCxnSpPr>
-          <p:nvPr/>
-        </p:nvCxnSpPr>
-        <p:spPr>
-          <a:xfrm>
-            <a:off x="2148525" y="1587605"/>
-            <a:ext cx="1418396" cy="36536"/>
-          </a:xfrm>
-          <a:prstGeom prst="straightConnector1">
-            <a:avLst/>
-          </a:prstGeom>
-          <a:ln w="57150">
-            <a:solidFill>
-              <a:srgbClr val="FF0000"/>
-            </a:solidFill>
-            <a:prstDash val="sysDash"/>
-            <a:headEnd type="none" w="med" len="med"/>
-            <a:tailEnd type="triangle" w="med" len="med"/>
-          </a:ln>
-        </p:spPr>
-        <p:style>
-          <a:lnRef idx="1">
-            <a:schemeClr val="accent1"/>
-          </a:lnRef>
-          <a:fillRef idx="0">
-            <a:schemeClr val="accent1"/>
-          </a:fillRef>
-          <a:effectRef idx="0">
-            <a:schemeClr val="accent1"/>
-          </a:effectRef>
-          <a:fontRef idx="minor">
-            <a:schemeClr val="tx1"/>
-          </a:fontRef>
-        </p:style>
-      </p:cxnSp>
-      <p:cxnSp>
-        <p:nvCxnSpPr>
-          <p:cNvPr id="12" name="Straight Arrow Connector 11">
-            <a:extLst>
-              <a:ext uri="{FF2B5EF4-FFF2-40B4-BE49-F238E27FC236}">
-                <a16:creationId xmlns:a16="http://schemas.microsoft.com/office/drawing/2014/main" id="{D61D0472-F825-4BB2-8AB2-528C1769062C}"/>
-              </a:ext>
-            </a:extLst>
-          </p:cNvPr>
-          <p:cNvCxnSpPr>
-            <a:cxnSpLocks/>
-            <a:stCxn id="5" idx="2"/>
-            <a:endCxn id="6" idx="0"/>
-          </p:cNvCxnSpPr>
-          <p:nvPr/>
-        </p:nvCxnSpPr>
-        <p:spPr>
-          <a:xfrm>
-            <a:off x="1342117" y="1910770"/>
-            <a:ext cx="139" cy="834778"/>
-          </a:xfrm>
-          <a:prstGeom prst="straightConnector1">
-            <a:avLst/>
-          </a:prstGeom>
-          <a:ln w="57150">
-            <a:solidFill>
-              <a:srgbClr val="00B050"/>
-            </a:solidFill>
-            <a:headEnd type="none" w="med" len="med"/>
-            <a:tailEnd type="triangle" w="med" len="med"/>
-          </a:ln>
-        </p:spPr>
-        <p:style>
-          <a:lnRef idx="1">
-            <a:schemeClr val="accent1"/>
-          </a:lnRef>
-          <a:fillRef idx="0">
-            <a:schemeClr val="accent1"/>
-          </a:fillRef>
-          <a:effectRef idx="0">
-            <a:schemeClr val="accent1"/>
-          </a:effectRef>
-          <a:fontRef idx="minor">
-            <a:schemeClr val="tx1"/>
-          </a:fontRef>
-        </p:style>
-      </p:cxnSp>
-      <p:cxnSp>
-        <p:nvCxnSpPr>
-          <p:cNvPr id="13" name="Straight Arrow Connector 12">
-            <a:extLst>
-              <a:ext uri="{FF2B5EF4-FFF2-40B4-BE49-F238E27FC236}">
-                <a16:creationId xmlns:a16="http://schemas.microsoft.com/office/drawing/2014/main" id="{CCBC7679-9DBB-4BAE-BF42-73C22E6180D7}"/>
-              </a:ext>
-            </a:extLst>
-          </p:cNvPr>
-          <p:cNvCxnSpPr>
-            <a:cxnSpLocks/>
-            <a:stCxn id="6" idx="2"/>
-            <a:endCxn id="42" idx="0"/>
-          </p:cNvCxnSpPr>
-          <p:nvPr/>
-        </p:nvCxnSpPr>
-        <p:spPr>
-          <a:xfrm flipH="1">
-            <a:off x="1014572" y="3083420"/>
-            <a:ext cx="327684" cy="954048"/>
-          </a:xfrm>
-          <a:prstGeom prst="straightConnector1">
-            <a:avLst/>
-          </a:prstGeom>
-          <a:ln w="57150">
-            <a:solidFill>
-              <a:srgbClr val="FF0000"/>
-            </a:solidFill>
-            <a:prstDash val="sysDash"/>
-            <a:headEnd type="none" w="med" len="med"/>
-            <a:tailEnd type="triangle" w="med" len="med"/>
-          </a:ln>
-        </p:spPr>
-        <p:style>
-          <a:lnRef idx="1">
-            <a:schemeClr val="accent1"/>
-          </a:lnRef>
-          <a:fillRef idx="0">
-            <a:schemeClr val="accent1"/>
-          </a:fillRef>
-          <a:effectRef idx="0">
-            <a:schemeClr val="accent1"/>
-          </a:effectRef>
-          <a:fontRef idx="minor">
-            <a:schemeClr val="tx1"/>
-          </a:fontRef>
-        </p:style>
-      </p:cxnSp>
-      <p:sp>
-        <p:nvSpPr>
-          <p:cNvPr id="14" name="TextBox 13">
-            <a:extLst>
-              <a:ext uri="{FF2B5EF4-FFF2-40B4-BE49-F238E27FC236}">
-                <a16:creationId xmlns:a16="http://schemas.microsoft.com/office/drawing/2014/main" id="{C9865E94-F815-4AD0-89B3-6E3CF1ABE770}"/>
+      <p:sp>
+        <p:nvSpPr>
+          <p:cNvPr id="16" name="TextBox 15">
+            <a:extLst>
+              <a:ext uri="{FF2B5EF4-FFF2-40B4-BE49-F238E27FC236}">
+                <a16:creationId xmlns:a16="http://schemas.microsoft.com/office/drawing/2014/main" id="{FB794577-A541-4CC9-92F3-2FDE0B36560F}"/>
               </a:ext>
             </a:extLst>
           </p:cNvPr>
@@ -3352,8 +3044,8 @@
         </p:nvSpPr>
         <p:spPr>
           <a:xfrm>
-            <a:off x="1864422" y="3524377"/>
-            <a:ext cx="1557312" cy="369332"/>
+            <a:off x="388010" y="1156497"/>
+            <a:ext cx="1436030" cy="646331"/>
           </a:xfrm>
           <a:prstGeom prst="rect">
             <a:avLst/>
@@ -3375,18 +3067,561 @@
           <a:p>
             <a:pPr algn="ctr"/>
             <a:r>
-              <a:rPr lang="en-US" dirty="0"/>
-              <a:t>Marine biome</a:t>
-            </a:r>
-          </a:p>
-        </p:txBody>
-      </p:sp>
-      <p:sp>
-        <p:nvSpPr>
-          <p:cNvPr id="15" name="TextBox 14">
-            <a:extLst>
-              <a:ext uri="{FF2B5EF4-FFF2-40B4-BE49-F238E27FC236}">
-                <a16:creationId xmlns:a16="http://schemas.microsoft.com/office/drawing/2014/main" id="{3DFE3797-8234-4F25-A8E7-5FB9B15E55F4}"/>
+              <a:rPr lang="en-US" sz="3600" dirty="0"/>
+              <a:t>START</a:t>
+            </a:r>
+          </a:p>
+        </p:txBody>
+      </p:sp>
+      <p:sp>
+        <p:nvSpPr>
+          <p:cNvPr id="88" name="Rectangle 87">
+            <a:extLst>
+              <a:ext uri="{FF2B5EF4-FFF2-40B4-BE49-F238E27FC236}">
+                <a16:creationId xmlns:a16="http://schemas.microsoft.com/office/drawing/2014/main" id="{D814BC51-025B-494A-9C6B-6C7A9BA37791}"/>
+              </a:ext>
+            </a:extLst>
+          </p:cNvPr>
+          <p:cNvSpPr/>
+          <p:nvPr/>
+        </p:nvSpPr>
+        <p:spPr>
+          <a:xfrm>
+            <a:off x="10067081" y="2449361"/>
+            <a:ext cx="1655303" cy="551534"/>
+          </a:xfrm>
+          <a:prstGeom prst="rect">
+            <a:avLst/>
+          </a:prstGeom>
+          <a:solidFill>
+            <a:schemeClr val="accent3">
+              <a:lumMod val="40000"/>
+              <a:lumOff val="60000"/>
+            </a:schemeClr>
+          </a:solidFill>
+        </p:spPr>
+        <p:style>
+          <a:lnRef idx="2">
+            <a:schemeClr val="accent1">
+              <a:shade val="50000"/>
+            </a:schemeClr>
+          </a:lnRef>
+          <a:fillRef idx="1">
+            <a:schemeClr val="accent1"/>
+          </a:fillRef>
+          <a:effectRef idx="0">
+            <a:schemeClr val="accent1"/>
+          </a:effectRef>
+          <a:fontRef idx="minor">
+            <a:schemeClr val="lt1"/>
+          </a:fontRef>
+        </p:style>
+        <p:txBody>
+          <a:bodyPr rtlCol="0" anchor="ctr"/>
+          <a:lstStyle/>
+          <a:p>
+            <a:pPr algn="ctr"/>
+            <a:r>
+              <a:rPr lang="en-US" dirty="0">
+                <a:solidFill>
+                  <a:schemeClr val="tx1"/>
+                </a:solidFill>
+              </a:rPr>
+              <a:t>Research environment</a:t>
+            </a:r>
+          </a:p>
+        </p:txBody>
+      </p:sp>
+      <p:sp>
+        <p:nvSpPr>
+          <p:cNvPr id="89" name="Rectangle 88">
+            <a:extLst>
+              <a:ext uri="{FF2B5EF4-FFF2-40B4-BE49-F238E27FC236}">
+                <a16:creationId xmlns:a16="http://schemas.microsoft.com/office/drawing/2014/main" id="{09C247AF-8D53-409B-96B2-7EFA5627252E}"/>
+              </a:ext>
+            </a:extLst>
+          </p:cNvPr>
+          <p:cNvSpPr/>
+          <p:nvPr/>
+        </p:nvSpPr>
+        <p:spPr>
+          <a:xfrm>
+            <a:off x="7736225" y="7441328"/>
+            <a:ext cx="1412382" cy="387759"/>
+          </a:xfrm>
+          <a:prstGeom prst="rect">
+            <a:avLst/>
+          </a:prstGeom>
+          <a:solidFill>
+            <a:schemeClr val="accent3">
+              <a:lumMod val="40000"/>
+              <a:lumOff val="60000"/>
+            </a:schemeClr>
+          </a:solidFill>
+        </p:spPr>
+        <p:style>
+          <a:lnRef idx="2">
+            <a:schemeClr val="accent1">
+              <a:shade val="50000"/>
+            </a:schemeClr>
+          </a:lnRef>
+          <a:fillRef idx="1">
+            <a:schemeClr val="accent1"/>
+          </a:fillRef>
+          <a:effectRef idx="0">
+            <a:schemeClr val="accent1"/>
+          </a:effectRef>
+          <a:fontRef idx="minor">
+            <a:schemeClr val="lt1"/>
+          </a:fontRef>
+        </p:style>
+        <p:txBody>
+          <a:bodyPr rtlCol="0" anchor="ctr"/>
+          <a:lstStyle/>
+          <a:p>
+            <a:pPr algn="ctr"/>
+            <a:r>
+              <a:rPr lang="en-US" dirty="0">
+                <a:solidFill>
+                  <a:schemeClr val="tx1"/>
+                </a:solidFill>
+              </a:rPr>
+              <a:t>Water body</a:t>
+            </a:r>
+          </a:p>
+        </p:txBody>
+      </p:sp>
+      <p:sp>
+        <p:nvSpPr>
+          <p:cNvPr id="90" name="Rectangle 89">
+            <a:extLst>
+              <a:ext uri="{FF2B5EF4-FFF2-40B4-BE49-F238E27FC236}">
+                <a16:creationId xmlns:a16="http://schemas.microsoft.com/office/drawing/2014/main" id="{07047C11-2A2B-4934-985C-C44CF61DABA6}"/>
+              </a:ext>
+            </a:extLst>
+          </p:cNvPr>
+          <p:cNvSpPr/>
+          <p:nvPr/>
+        </p:nvSpPr>
+        <p:spPr>
+          <a:xfrm>
+            <a:off x="2193185" y="1251809"/>
+            <a:ext cx="1742727" cy="614216"/>
+          </a:xfrm>
+          <a:prstGeom prst="rect">
+            <a:avLst/>
+          </a:prstGeom>
+          <a:solidFill>
+            <a:schemeClr val="accent3">
+              <a:lumMod val="40000"/>
+              <a:lumOff val="60000"/>
+            </a:schemeClr>
+          </a:solidFill>
+        </p:spPr>
+        <p:style>
+          <a:lnRef idx="2">
+            <a:schemeClr val="accent1">
+              <a:shade val="50000"/>
+            </a:schemeClr>
+          </a:lnRef>
+          <a:fillRef idx="1">
+            <a:schemeClr val="accent1"/>
+          </a:fillRef>
+          <a:effectRef idx="0">
+            <a:schemeClr val="accent1"/>
+          </a:effectRef>
+          <a:fontRef idx="minor">
+            <a:schemeClr val="lt1"/>
+          </a:fontRef>
+        </p:style>
+        <p:txBody>
+          <a:bodyPr rtlCol="0" anchor="ctr"/>
+          <a:lstStyle/>
+          <a:p>
+            <a:pPr algn="ctr"/>
+            <a:r>
+              <a:rPr lang="en-US" dirty="0">
+                <a:solidFill>
+                  <a:schemeClr val="tx1"/>
+                </a:solidFill>
+              </a:rPr>
+              <a:t>Extraterrestrial environment</a:t>
+            </a:r>
+          </a:p>
+        </p:txBody>
+      </p:sp>
+      <p:cxnSp>
+        <p:nvCxnSpPr>
+          <p:cNvPr id="91" name="Straight Arrow Connector 90">
+            <a:extLst>
+              <a:ext uri="{FF2B5EF4-FFF2-40B4-BE49-F238E27FC236}">
+                <a16:creationId xmlns:a16="http://schemas.microsoft.com/office/drawing/2014/main" id="{36169B19-1AD6-4BAB-BFE1-E80A44217C54}"/>
+              </a:ext>
+            </a:extLst>
+          </p:cNvPr>
+          <p:cNvCxnSpPr>
+            <a:cxnSpLocks/>
+            <a:stCxn id="7" idx="2"/>
+            <a:endCxn id="109" idx="0"/>
+          </p:cNvCxnSpPr>
+          <p:nvPr/>
+        </p:nvCxnSpPr>
+        <p:spPr>
+          <a:xfrm flipH="1">
+            <a:off x="6848418" y="2031673"/>
+            <a:ext cx="330973" cy="570188"/>
+          </a:xfrm>
+          <a:prstGeom prst="straightConnector1">
+            <a:avLst/>
+          </a:prstGeom>
+          <a:ln w="57150">
+            <a:solidFill>
+              <a:srgbClr val="FF0000"/>
+            </a:solidFill>
+            <a:prstDash val="sysDash"/>
+            <a:headEnd type="none" w="med" len="med"/>
+            <a:tailEnd type="triangle" w="med" len="med"/>
+          </a:ln>
+        </p:spPr>
+        <p:style>
+          <a:lnRef idx="1">
+            <a:schemeClr val="accent1"/>
+          </a:lnRef>
+          <a:fillRef idx="0">
+            <a:schemeClr val="accent1"/>
+          </a:fillRef>
+          <a:effectRef idx="0">
+            <a:schemeClr val="accent1"/>
+          </a:effectRef>
+          <a:fontRef idx="minor">
+            <a:schemeClr val="tx1"/>
+          </a:fontRef>
+        </p:style>
+      </p:cxnSp>
+      <p:sp>
+        <p:nvSpPr>
+          <p:cNvPr id="107" name="Rectangle 106">
+            <a:extLst>
+              <a:ext uri="{FF2B5EF4-FFF2-40B4-BE49-F238E27FC236}">
+                <a16:creationId xmlns:a16="http://schemas.microsoft.com/office/drawing/2014/main" id="{12AA6E2C-6F62-4DFF-A6E4-CB616953BE20}"/>
+              </a:ext>
+            </a:extLst>
+          </p:cNvPr>
+          <p:cNvSpPr/>
+          <p:nvPr/>
+        </p:nvSpPr>
+        <p:spPr>
+          <a:xfrm>
+            <a:off x="9172224" y="8593105"/>
+            <a:ext cx="1660469" cy="509417"/>
+          </a:xfrm>
+          <a:prstGeom prst="rect">
+            <a:avLst/>
+          </a:prstGeom>
+          <a:solidFill>
+            <a:schemeClr val="accent3">
+              <a:lumMod val="40000"/>
+              <a:lumOff val="60000"/>
+            </a:schemeClr>
+          </a:solidFill>
+        </p:spPr>
+        <p:style>
+          <a:lnRef idx="2">
+            <a:schemeClr val="accent1">
+              <a:shade val="50000"/>
+            </a:schemeClr>
+          </a:lnRef>
+          <a:fillRef idx="1">
+            <a:schemeClr val="accent1"/>
+          </a:fillRef>
+          <a:effectRef idx="0">
+            <a:schemeClr val="accent1"/>
+          </a:effectRef>
+          <a:fontRef idx="minor">
+            <a:schemeClr val="lt1"/>
+          </a:fontRef>
+        </p:style>
+        <p:txBody>
+          <a:bodyPr rtlCol="0" anchor="ctr"/>
+          <a:lstStyle/>
+          <a:p>
+            <a:pPr algn="ctr"/>
+            <a:r>
+              <a:rPr lang="en-US" dirty="0">
+                <a:solidFill>
+                  <a:schemeClr val="tx1"/>
+                </a:solidFill>
+              </a:rPr>
+              <a:t>Subsurface fluid reservoir</a:t>
+            </a:r>
+          </a:p>
+        </p:txBody>
+      </p:sp>
+      <p:sp>
+        <p:nvSpPr>
+          <p:cNvPr id="108" name="Rectangle 107">
+            <a:extLst>
+              <a:ext uri="{FF2B5EF4-FFF2-40B4-BE49-F238E27FC236}">
+                <a16:creationId xmlns:a16="http://schemas.microsoft.com/office/drawing/2014/main" id="{E93F2478-8196-4869-A4C1-9BEFF3474C49}"/>
+              </a:ext>
+            </a:extLst>
+          </p:cNvPr>
+          <p:cNvSpPr/>
+          <p:nvPr/>
+        </p:nvSpPr>
+        <p:spPr>
+          <a:xfrm>
+            <a:off x="5698886" y="5088818"/>
+            <a:ext cx="1586566" cy="441531"/>
+          </a:xfrm>
+          <a:prstGeom prst="rect">
+            <a:avLst/>
+          </a:prstGeom>
+          <a:solidFill>
+            <a:schemeClr val="accent3">
+              <a:lumMod val="40000"/>
+              <a:lumOff val="60000"/>
+            </a:schemeClr>
+          </a:solidFill>
+        </p:spPr>
+        <p:style>
+          <a:lnRef idx="2">
+            <a:schemeClr val="accent1">
+              <a:shade val="50000"/>
+            </a:schemeClr>
+          </a:lnRef>
+          <a:fillRef idx="1">
+            <a:schemeClr val="accent1"/>
+          </a:fillRef>
+          <a:effectRef idx="0">
+            <a:schemeClr val="accent1"/>
+          </a:effectRef>
+          <a:fontRef idx="minor">
+            <a:schemeClr val="lt1"/>
+          </a:fontRef>
+        </p:style>
+        <p:txBody>
+          <a:bodyPr rtlCol="0" anchor="ctr"/>
+          <a:lstStyle/>
+          <a:p>
+            <a:pPr algn="ctr"/>
+            <a:r>
+              <a:rPr lang="en-US" dirty="0">
+                <a:solidFill>
+                  <a:schemeClr val="tx1"/>
+                </a:solidFill>
+              </a:rPr>
+              <a:t>Earth surface</a:t>
+            </a:r>
+          </a:p>
+        </p:txBody>
+      </p:sp>
+      <p:sp>
+        <p:nvSpPr>
+          <p:cNvPr id="109" name="Rectangle 108">
+            <a:extLst>
+              <a:ext uri="{FF2B5EF4-FFF2-40B4-BE49-F238E27FC236}">
+                <a16:creationId xmlns:a16="http://schemas.microsoft.com/office/drawing/2014/main" id="{2992030B-E0AF-43C1-B7C7-E764F90B3579}"/>
+              </a:ext>
+            </a:extLst>
+          </p:cNvPr>
+          <p:cNvSpPr/>
+          <p:nvPr/>
+        </p:nvSpPr>
+        <p:spPr>
+          <a:xfrm>
+            <a:off x="6142227" y="2601861"/>
+            <a:ext cx="1412382" cy="509417"/>
+          </a:xfrm>
+          <a:prstGeom prst="rect">
+            <a:avLst/>
+          </a:prstGeom>
+          <a:solidFill>
+            <a:schemeClr val="accent3">
+              <a:lumMod val="40000"/>
+              <a:lumOff val="60000"/>
+            </a:schemeClr>
+          </a:solidFill>
+        </p:spPr>
+        <p:style>
+          <a:lnRef idx="2">
+            <a:schemeClr val="accent1">
+              <a:shade val="50000"/>
+            </a:schemeClr>
+          </a:lnRef>
+          <a:fillRef idx="1">
+            <a:schemeClr val="accent1"/>
+          </a:fillRef>
+          <a:effectRef idx="0">
+            <a:schemeClr val="accent1"/>
+          </a:effectRef>
+          <a:fontRef idx="minor">
+            <a:schemeClr val="lt1"/>
+          </a:fontRef>
+        </p:style>
+        <p:txBody>
+          <a:bodyPr rtlCol="0" anchor="ctr"/>
+          <a:lstStyle/>
+          <a:p>
+            <a:pPr algn="ctr"/>
+            <a:r>
+              <a:rPr lang="en-US" dirty="0">
+                <a:solidFill>
+                  <a:schemeClr val="tx1"/>
+                </a:solidFill>
+              </a:rPr>
+              <a:t>Atmosphere</a:t>
+            </a:r>
+          </a:p>
+        </p:txBody>
+      </p:sp>
+      <p:cxnSp>
+        <p:nvCxnSpPr>
+          <p:cNvPr id="111" name="Straight Arrow Connector 110">
+            <a:extLst>
+              <a:ext uri="{FF2B5EF4-FFF2-40B4-BE49-F238E27FC236}">
+                <a16:creationId xmlns:a16="http://schemas.microsoft.com/office/drawing/2014/main" id="{50CBD061-6691-4CBA-B196-5C71474EBCB2}"/>
+              </a:ext>
+            </a:extLst>
+          </p:cNvPr>
+          <p:cNvCxnSpPr>
+            <a:cxnSpLocks/>
+            <a:stCxn id="88" idx="2"/>
+            <a:endCxn id="223" idx="0"/>
+          </p:cNvCxnSpPr>
+          <p:nvPr/>
+        </p:nvCxnSpPr>
+        <p:spPr>
+          <a:xfrm flipH="1">
+            <a:off x="8911707" y="3000895"/>
+            <a:ext cx="1983026" cy="631730"/>
+          </a:xfrm>
+          <a:prstGeom prst="straightConnector1">
+            <a:avLst/>
+          </a:prstGeom>
+          <a:ln w="57150">
+            <a:solidFill>
+              <a:srgbClr val="00B050"/>
+            </a:solidFill>
+            <a:headEnd type="none" w="med" len="med"/>
+            <a:tailEnd type="triangle" w="med" len="med"/>
+          </a:ln>
+        </p:spPr>
+        <p:style>
+          <a:lnRef idx="1">
+            <a:schemeClr val="accent1"/>
+          </a:lnRef>
+          <a:fillRef idx="0">
+            <a:schemeClr val="accent1"/>
+          </a:fillRef>
+          <a:effectRef idx="0">
+            <a:schemeClr val="accent1"/>
+          </a:effectRef>
+          <a:fontRef idx="minor">
+            <a:schemeClr val="tx1"/>
+          </a:fontRef>
+        </p:style>
+      </p:cxnSp>
+      <p:cxnSp>
+        <p:nvCxnSpPr>
+          <p:cNvPr id="112" name="Straight Arrow Connector 111">
+            <a:extLst>
+              <a:ext uri="{FF2B5EF4-FFF2-40B4-BE49-F238E27FC236}">
+                <a16:creationId xmlns:a16="http://schemas.microsoft.com/office/drawing/2014/main" id="{30374461-F687-45A5-A91B-1F70332FE8FD}"/>
+              </a:ext>
+            </a:extLst>
+          </p:cNvPr>
+          <p:cNvCxnSpPr>
+            <a:cxnSpLocks/>
+            <a:stCxn id="7" idx="3"/>
+            <a:endCxn id="88" idx="1"/>
+          </p:cNvCxnSpPr>
+          <p:nvPr/>
+        </p:nvCxnSpPr>
+        <p:spPr>
+          <a:xfrm>
+            <a:off x="8003867" y="1716832"/>
+            <a:ext cx="2063214" cy="1008296"/>
+          </a:xfrm>
+          <a:prstGeom prst="straightConnector1">
+            <a:avLst/>
+          </a:prstGeom>
+          <a:ln w="57150">
+            <a:solidFill>
+              <a:srgbClr val="00B050"/>
+            </a:solidFill>
+            <a:headEnd type="none" w="med" len="med"/>
+            <a:tailEnd type="triangle" w="med" len="med"/>
+          </a:ln>
+        </p:spPr>
+        <p:style>
+          <a:lnRef idx="1">
+            <a:schemeClr val="accent1"/>
+          </a:lnRef>
+          <a:fillRef idx="0">
+            <a:schemeClr val="accent1"/>
+          </a:fillRef>
+          <a:effectRef idx="0">
+            <a:schemeClr val="accent1"/>
+          </a:effectRef>
+          <a:fontRef idx="minor">
+            <a:schemeClr val="tx1"/>
+          </a:fontRef>
+        </p:style>
+      </p:cxnSp>
+      <p:cxnSp>
+        <p:nvCxnSpPr>
+          <p:cNvPr id="113" name="Straight Arrow Connector 112">
+            <a:extLst>
+              <a:ext uri="{FF2B5EF4-FFF2-40B4-BE49-F238E27FC236}">
+                <a16:creationId xmlns:a16="http://schemas.microsoft.com/office/drawing/2014/main" id="{7E6E53B5-32C6-4B06-8E20-1D99654BE8EA}"/>
+              </a:ext>
+            </a:extLst>
+          </p:cNvPr>
+          <p:cNvCxnSpPr>
+            <a:cxnSpLocks/>
+            <a:stCxn id="109" idx="1"/>
+            <a:endCxn id="116" idx="3"/>
+          </p:cNvCxnSpPr>
+          <p:nvPr/>
+        </p:nvCxnSpPr>
+        <p:spPr>
+          <a:xfrm flipH="1">
+            <a:off x="5314575" y="2856570"/>
+            <a:ext cx="827652" cy="406552"/>
+          </a:xfrm>
+          <a:prstGeom prst="straightConnector1">
+            <a:avLst/>
+          </a:prstGeom>
+          <a:ln w="57150">
+            <a:solidFill>
+              <a:srgbClr val="00B050"/>
+            </a:solidFill>
+            <a:headEnd type="none" w="med" len="med"/>
+            <a:tailEnd type="triangle" w="med" len="med"/>
+          </a:ln>
+        </p:spPr>
+        <p:style>
+          <a:lnRef idx="1">
+            <a:schemeClr val="accent1"/>
+          </a:lnRef>
+          <a:fillRef idx="0">
+            <a:schemeClr val="accent1"/>
+          </a:fillRef>
+          <a:effectRef idx="0">
+            <a:schemeClr val="accent1"/>
+          </a:effectRef>
+          <a:fontRef idx="minor">
+            <a:schemeClr val="tx1"/>
+          </a:fontRef>
+        </p:style>
+      </p:cxnSp>
+      <p:sp>
+        <p:nvSpPr>
+          <p:cNvPr id="116" name="TextBox 115">
+            <a:extLst>
+              <a:ext uri="{FF2B5EF4-FFF2-40B4-BE49-F238E27FC236}">
+                <a16:creationId xmlns:a16="http://schemas.microsoft.com/office/drawing/2014/main" id="{882E19A5-8C8E-4D5A-B7E9-E5725BDB5C68}"/>
               </a:ext>
             </a:extLst>
           </p:cNvPr>
@@ -3395,8 +3630,8 @@
         </p:nvSpPr>
         <p:spPr>
           <a:xfrm>
-            <a:off x="163235" y="4998722"/>
-            <a:ext cx="1184876" cy="923330"/>
+            <a:off x="3902193" y="3078456"/>
+            <a:ext cx="1412382" cy="369332"/>
           </a:xfrm>
           <a:prstGeom prst="rect">
             <a:avLst/>
@@ -3419,17 +3654,17 @@
             <a:pPr algn="ctr"/>
             <a:r>
               <a:rPr lang="en-US" dirty="0"/>
-              <a:t>Subaerial terrestrial biome</a:t>
-            </a:r>
-          </a:p>
-        </p:txBody>
-      </p:sp>
-      <p:sp>
-        <p:nvSpPr>
-          <p:cNvPr id="16" name="TextBox 15">
-            <a:extLst>
-              <a:ext uri="{FF2B5EF4-FFF2-40B4-BE49-F238E27FC236}">
-                <a16:creationId xmlns:a16="http://schemas.microsoft.com/office/drawing/2014/main" id="{FB794577-A541-4CC9-92F3-2FDE0B36560F}"/>
+              <a:t>Atmosphere</a:t>
+            </a:r>
+          </a:p>
+        </p:txBody>
+      </p:sp>
+      <p:sp>
+        <p:nvSpPr>
+          <p:cNvPr id="126" name="TextBox 125">
+            <a:extLst>
+              <a:ext uri="{FF2B5EF4-FFF2-40B4-BE49-F238E27FC236}">
+                <a16:creationId xmlns:a16="http://schemas.microsoft.com/office/drawing/2014/main" id="{B2187D7D-827F-4325-A2F4-B9A7A9BE6D24}"/>
               </a:ext>
             </a:extLst>
           </p:cNvPr>
@@ -3438,8 +3673,462 @@
         </p:nvSpPr>
         <p:spPr>
           <a:xfrm>
-            <a:off x="343827" y="570641"/>
-            <a:ext cx="1436030" cy="646331"/>
+            <a:off x="8997139" y="4739498"/>
+            <a:ext cx="1508101" cy="923330"/>
+          </a:xfrm>
+          <a:prstGeom prst="rect">
+            <a:avLst/>
+          </a:prstGeom>
+          <a:noFill/>
+        </p:spPr>
+        <p:txBody>
+          <a:bodyPr wrap="square" rtlCol="0">
+            <a:spAutoFit/>
+          </a:bodyPr>
+          <a:lstStyle/>
+          <a:p>
+            <a:pPr algn="ctr"/>
+            <a:r>
+              <a:rPr lang="en-US" b="1" dirty="0"/>
+              <a:t>Laboratory or curation environment</a:t>
+            </a:r>
+          </a:p>
+        </p:txBody>
+      </p:sp>
+      <p:cxnSp>
+        <p:nvCxnSpPr>
+          <p:cNvPr id="128" name="Straight Arrow Connector 127">
+            <a:extLst>
+              <a:ext uri="{FF2B5EF4-FFF2-40B4-BE49-F238E27FC236}">
+                <a16:creationId xmlns:a16="http://schemas.microsoft.com/office/drawing/2014/main" id="{4D5CD2A0-BB97-4935-A58A-5AB1D47CDB54}"/>
+              </a:ext>
+            </a:extLst>
+          </p:cNvPr>
+          <p:cNvCxnSpPr>
+            <a:cxnSpLocks/>
+            <a:stCxn id="88" idx="2"/>
+            <a:endCxn id="333" idx="0"/>
+          </p:cNvCxnSpPr>
+          <p:nvPr/>
+        </p:nvCxnSpPr>
+        <p:spPr>
+          <a:xfrm>
+            <a:off x="10894733" y="3000895"/>
+            <a:ext cx="948247" cy="1118040"/>
+          </a:xfrm>
+          <a:prstGeom prst="straightConnector1">
+            <a:avLst/>
+          </a:prstGeom>
+          <a:ln w="57150">
+            <a:solidFill>
+              <a:srgbClr val="FF0000"/>
+            </a:solidFill>
+            <a:prstDash val="sysDash"/>
+            <a:headEnd type="none" w="med" len="med"/>
+            <a:tailEnd type="triangle" w="med" len="med"/>
+          </a:ln>
+        </p:spPr>
+        <p:style>
+          <a:lnRef idx="1">
+            <a:schemeClr val="accent1"/>
+          </a:lnRef>
+          <a:fillRef idx="0">
+            <a:schemeClr val="accent1"/>
+          </a:fillRef>
+          <a:effectRef idx="0">
+            <a:schemeClr val="accent1"/>
+          </a:effectRef>
+          <a:fontRef idx="minor">
+            <a:schemeClr val="tx1"/>
+          </a:fontRef>
+        </p:style>
+      </p:cxnSp>
+      <p:cxnSp>
+        <p:nvCxnSpPr>
+          <p:cNvPr id="143" name="Straight Arrow Connector 142">
+            <a:extLst>
+              <a:ext uri="{FF2B5EF4-FFF2-40B4-BE49-F238E27FC236}">
+                <a16:creationId xmlns:a16="http://schemas.microsoft.com/office/drawing/2014/main" id="{46CC5E8E-E881-4677-9742-6D58E57515E6}"/>
+              </a:ext>
+            </a:extLst>
+          </p:cNvPr>
+          <p:cNvCxnSpPr>
+            <a:cxnSpLocks/>
+            <a:stCxn id="109" idx="2"/>
+            <a:endCxn id="99" idx="0"/>
+          </p:cNvCxnSpPr>
+          <p:nvPr/>
+        </p:nvCxnSpPr>
+        <p:spPr>
+          <a:xfrm flipH="1">
+            <a:off x="6818439" y="3111278"/>
+            <a:ext cx="29979" cy="634691"/>
+          </a:xfrm>
+          <a:prstGeom prst="straightConnector1">
+            <a:avLst/>
+          </a:prstGeom>
+          <a:ln w="57150">
+            <a:solidFill>
+              <a:srgbClr val="FF0000"/>
+            </a:solidFill>
+            <a:prstDash val="sysDash"/>
+            <a:headEnd type="none" w="med" len="med"/>
+            <a:tailEnd type="triangle" w="med" len="med"/>
+          </a:ln>
+        </p:spPr>
+        <p:style>
+          <a:lnRef idx="1">
+            <a:schemeClr val="accent1"/>
+          </a:lnRef>
+          <a:fillRef idx="0">
+            <a:schemeClr val="accent1"/>
+          </a:fillRef>
+          <a:effectRef idx="0">
+            <a:schemeClr val="accent1"/>
+          </a:effectRef>
+          <a:fontRef idx="minor">
+            <a:schemeClr val="tx1"/>
+          </a:fontRef>
+        </p:style>
+      </p:cxnSp>
+      <p:cxnSp>
+        <p:nvCxnSpPr>
+          <p:cNvPr id="146" name="Straight Arrow Connector 145">
+            <a:extLst>
+              <a:ext uri="{FF2B5EF4-FFF2-40B4-BE49-F238E27FC236}">
+                <a16:creationId xmlns:a16="http://schemas.microsoft.com/office/drawing/2014/main" id="{1B2E558B-8348-47DB-A782-268DD685FA29}"/>
+              </a:ext>
+            </a:extLst>
+          </p:cNvPr>
+          <p:cNvCxnSpPr>
+            <a:cxnSpLocks/>
+            <a:stCxn id="333" idx="2"/>
+            <a:endCxn id="337" idx="0"/>
+          </p:cNvCxnSpPr>
+          <p:nvPr/>
+        </p:nvCxnSpPr>
+        <p:spPr>
+          <a:xfrm>
+            <a:off x="11842980" y="4671198"/>
+            <a:ext cx="766786" cy="1274577"/>
+          </a:xfrm>
+          <a:prstGeom prst="straightConnector1">
+            <a:avLst/>
+          </a:prstGeom>
+          <a:ln w="57150">
+            <a:solidFill>
+              <a:srgbClr val="FF0000"/>
+            </a:solidFill>
+            <a:prstDash val="sysDash"/>
+            <a:headEnd type="none" w="med" len="med"/>
+            <a:tailEnd type="triangle" w="med" len="med"/>
+          </a:ln>
+        </p:spPr>
+        <p:style>
+          <a:lnRef idx="1">
+            <a:schemeClr val="accent1"/>
+          </a:lnRef>
+          <a:fillRef idx="0">
+            <a:schemeClr val="accent1"/>
+          </a:fillRef>
+          <a:effectRef idx="0">
+            <a:schemeClr val="accent1"/>
+          </a:effectRef>
+          <a:fontRef idx="minor">
+            <a:schemeClr val="tx1"/>
+          </a:fontRef>
+        </p:style>
+      </p:cxnSp>
+      <p:cxnSp>
+        <p:nvCxnSpPr>
+          <p:cNvPr id="147" name="Straight Arrow Connector 146">
+            <a:extLst>
+              <a:ext uri="{FF2B5EF4-FFF2-40B4-BE49-F238E27FC236}">
+                <a16:creationId xmlns:a16="http://schemas.microsoft.com/office/drawing/2014/main" id="{C17258AB-0E00-4994-B6E7-513434E8229E}"/>
+              </a:ext>
+            </a:extLst>
+          </p:cNvPr>
+          <p:cNvCxnSpPr>
+            <a:cxnSpLocks/>
+            <a:stCxn id="108" idx="2"/>
+            <a:endCxn id="89" idx="0"/>
+          </p:cNvCxnSpPr>
+          <p:nvPr/>
+        </p:nvCxnSpPr>
+        <p:spPr>
+          <a:xfrm>
+            <a:off x="6492169" y="5530349"/>
+            <a:ext cx="1950247" cy="1910979"/>
+          </a:xfrm>
+          <a:prstGeom prst="straightConnector1">
+            <a:avLst/>
+          </a:prstGeom>
+          <a:ln w="57150">
+            <a:solidFill>
+              <a:srgbClr val="FF0000"/>
+            </a:solidFill>
+            <a:prstDash val="sysDash"/>
+            <a:headEnd type="none" w="med" len="med"/>
+            <a:tailEnd type="triangle" w="med" len="med"/>
+          </a:ln>
+        </p:spPr>
+        <p:style>
+          <a:lnRef idx="1">
+            <a:schemeClr val="accent1"/>
+          </a:lnRef>
+          <a:fillRef idx="0">
+            <a:schemeClr val="accent1"/>
+          </a:fillRef>
+          <a:effectRef idx="0">
+            <a:schemeClr val="accent1"/>
+          </a:effectRef>
+          <a:fontRef idx="minor">
+            <a:schemeClr val="tx1"/>
+          </a:fontRef>
+        </p:style>
+      </p:cxnSp>
+      <p:cxnSp>
+        <p:nvCxnSpPr>
+          <p:cNvPr id="148" name="Straight Arrow Connector 147">
+            <a:extLst>
+              <a:ext uri="{FF2B5EF4-FFF2-40B4-BE49-F238E27FC236}">
+                <a16:creationId xmlns:a16="http://schemas.microsoft.com/office/drawing/2014/main" id="{E85AC0C2-AFFB-4BF4-9B68-138331A12DA5}"/>
+              </a:ext>
+            </a:extLst>
+          </p:cNvPr>
+          <p:cNvCxnSpPr>
+            <a:cxnSpLocks/>
+            <a:stCxn id="89" idx="2"/>
+            <a:endCxn id="107" idx="0"/>
+          </p:cNvCxnSpPr>
+          <p:nvPr/>
+        </p:nvCxnSpPr>
+        <p:spPr>
+          <a:xfrm>
+            <a:off x="8442416" y="7829087"/>
+            <a:ext cx="1560043" cy="764018"/>
+          </a:xfrm>
+          <a:prstGeom prst="straightConnector1">
+            <a:avLst/>
+          </a:prstGeom>
+          <a:ln w="57150">
+            <a:solidFill>
+              <a:srgbClr val="FF0000"/>
+            </a:solidFill>
+            <a:prstDash val="sysDash"/>
+            <a:headEnd type="none" w="med" len="med"/>
+            <a:tailEnd type="triangle" w="med" len="med"/>
+          </a:ln>
+        </p:spPr>
+        <p:style>
+          <a:lnRef idx="1">
+            <a:schemeClr val="accent1"/>
+          </a:lnRef>
+          <a:fillRef idx="0">
+            <a:schemeClr val="accent1"/>
+          </a:fillRef>
+          <a:effectRef idx="0">
+            <a:schemeClr val="accent1"/>
+          </a:effectRef>
+          <a:fontRef idx="minor">
+            <a:schemeClr val="tx1"/>
+          </a:fontRef>
+        </p:style>
+      </p:cxnSp>
+      <p:cxnSp>
+        <p:nvCxnSpPr>
+          <p:cNvPr id="184" name="Straight Arrow Connector 183">
+            <a:extLst>
+              <a:ext uri="{FF2B5EF4-FFF2-40B4-BE49-F238E27FC236}">
+                <a16:creationId xmlns:a16="http://schemas.microsoft.com/office/drawing/2014/main" id="{0419EA47-50B1-40A5-B825-9078A852F2A8}"/>
+              </a:ext>
+            </a:extLst>
+          </p:cNvPr>
+          <p:cNvCxnSpPr>
+            <a:cxnSpLocks/>
+            <a:stCxn id="90" idx="3"/>
+            <a:endCxn id="7" idx="1"/>
+          </p:cNvCxnSpPr>
+          <p:nvPr/>
+        </p:nvCxnSpPr>
+        <p:spPr>
+          <a:xfrm>
+            <a:off x="3935912" y="1558917"/>
+            <a:ext cx="2419002" cy="157915"/>
+          </a:xfrm>
+          <a:prstGeom prst="straightConnector1">
+            <a:avLst/>
+          </a:prstGeom>
+          <a:ln w="57150">
+            <a:solidFill>
+              <a:srgbClr val="FF0000"/>
+            </a:solidFill>
+            <a:prstDash val="sysDash"/>
+            <a:headEnd type="none" w="med" len="med"/>
+            <a:tailEnd type="triangle" w="med" len="med"/>
+          </a:ln>
+        </p:spPr>
+        <p:style>
+          <a:lnRef idx="1">
+            <a:schemeClr val="accent1"/>
+          </a:lnRef>
+          <a:fillRef idx="0">
+            <a:schemeClr val="accent1"/>
+          </a:fillRef>
+          <a:effectRef idx="0">
+            <a:schemeClr val="accent1"/>
+          </a:effectRef>
+          <a:fontRef idx="minor">
+            <a:schemeClr val="tx1"/>
+          </a:fontRef>
+        </p:style>
+      </p:cxnSp>
+      <p:cxnSp>
+        <p:nvCxnSpPr>
+          <p:cNvPr id="190" name="Straight Arrow Connector 189">
+            <a:extLst>
+              <a:ext uri="{FF2B5EF4-FFF2-40B4-BE49-F238E27FC236}">
+                <a16:creationId xmlns:a16="http://schemas.microsoft.com/office/drawing/2014/main" id="{FD54352E-63F7-4321-BDFF-913D4318F259}"/>
+              </a:ext>
+            </a:extLst>
+          </p:cNvPr>
+          <p:cNvCxnSpPr>
+            <a:cxnSpLocks/>
+            <a:stCxn id="90" idx="2"/>
+            <a:endCxn id="191" idx="0"/>
+          </p:cNvCxnSpPr>
+          <p:nvPr/>
+        </p:nvCxnSpPr>
+        <p:spPr>
+          <a:xfrm flipH="1">
+            <a:off x="2227907" y="1866025"/>
+            <a:ext cx="836642" cy="630563"/>
+          </a:xfrm>
+          <a:prstGeom prst="straightConnector1">
+            <a:avLst/>
+          </a:prstGeom>
+          <a:ln w="57150">
+            <a:solidFill>
+              <a:srgbClr val="00B050"/>
+            </a:solidFill>
+            <a:headEnd type="none" w="med" len="med"/>
+            <a:tailEnd type="triangle" w="med" len="med"/>
+          </a:ln>
+        </p:spPr>
+        <p:style>
+          <a:lnRef idx="1">
+            <a:schemeClr val="accent1"/>
+          </a:lnRef>
+          <a:fillRef idx="0">
+            <a:schemeClr val="accent1"/>
+          </a:fillRef>
+          <a:effectRef idx="0">
+            <a:schemeClr val="accent1"/>
+          </a:effectRef>
+          <a:fontRef idx="minor">
+            <a:schemeClr val="tx1"/>
+          </a:fontRef>
+        </p:style>
+      </p:cxnSp>
+      <p:sp>
+        <p:nvSpPr>
+          <p:cNvPr id="191" name="TextBox 190">
+            <a:extLst>
+              <a:ext uri="{FF2B5EF4-FFF2-40B4-BE49-F238E27FC236}">
+                <a16:creationId xmlns:a16="http://schemas.microsoft.com/office/drawing/2014/main" id="{29A43394-EF25-4B74-AF6C-4DC8FEF870D1}"/>
+              </a:ext>
+            </a:extLst>
+          </p:cNvPr>
+          <p:cNvSpPr txBox="1"/>
+          <p:nvPr/>
+        </p:nvSpPr>
+        <p:spPr>
+          <a:xfrm>
+            <a:off x="1356543" y="2496588"/>
+            <a:ext cx="1742727" cy="646331"/>
+          </a:xfrm>
+          <a:prstGeom prst="rect">
+            <a:avLst/>
+          </a:prstGeom>
+          <a:noFill/>
+        </p:spPr>
+        <p:txBody>
+          <a:bodyPr wrap="square" rtlCol="0">
+            <a:spAutoFit/>
+          </a:bodyPr>
+          <a:lstStyle/>
+          <a:p>
+            <a:pPr algn="ctr"/>
+            <a:r>
+              <a:rPr lang="en-US" b="1" dirty="0"/>
+              <a:t>Extraterrestrial environment</a:t>
+            </a:r>
+          </a:p>
+        </p:txBody>
+      </p:sp>
+      <p:cxnSp>
+        <p:nvCxnSpPr>
+          <p:cNvPr id="218" name="Straight Arrow Connector 217">
+            <a:extLst>
+              <a:ext uri="{FF2B5EF4-FFF2-40B4-BE49-F238E27FC236}">
+                <a16:creationId xmlns:a16="http://schemas.microsoft.com/office/drawing/2014/main" id="{A2D0E40A-A478-4942-969C-BE33BEF3F8D5}"/>
+              </a:ext>
+            </a:extLst>
+          </p:cNvPr>
+          <p:cNvCxnSpPr>
+            <a:cxnSpLocks/>
+            <a:stCxn id="108" idx="2"/>
+            <a:endCxn id="235" idx="0"/>
+          </p:cNvCxnSpPr>
+          <p:nvPr/>
+        </p:nvCxnSpPr>
+        <p:spPr>
+          <a:xfrm flipH="1">
+            <a:off x="4816339" y="5530349"/>
+            <a:ext cx="1675830" cy="476604"/>
+          </a:xfrm>
+          <a:prstGeom prst="straightConnector1">
+            <a:avLst/>
+          </a:prstGeom>
+          <a:ln w="57150">
+            <a:solidFill>
+              <a:srgbClr val="00B050"/>
+            </a:solidFill>
+            <a:headEnd type="none" w="med" len="med"/>
+            <a:tailEnd type="triangle" w="med" len="med"/>
+          </a:ln>
+        </p:spPr>
+        <p:style>
+          <a:lnRef idx="1">
+            <a:schemeClr val="accent1"/>
+          </a:lnRef>
+          <a:fillRef idx="0">
+            <a:schemeClr val="accent1"/>
+          </a:fillRef>
+          <a:effectRef idx="0">
+            <a:schemeClr val="accent1"/>
+          </a:effectRef>
+          <a:fontRef idx="minor">
+            <a:schemeClr val="tx1"/>
+          </a:fontRef>
+        </p:style>
+      </p:cxnSp>
+      <p:sp>
+        <p:nvSpPr>
+          <p:cNvPr id="219" name="TextBox 218">
+            <a:extLst>
+              <a:ext uri="{FF2B5EF4-FFF2-40B4-BE49-F238E27FC236}">
+                <a16:creationId xmlns:a16="http://schemas.microsoft.com/office/drawing/2014/main" id="{E0960288-A678-4E5A-82BE-80DDC9EB4041}"/>
+              </a:ext>
+            </a:extLst>
+          </p:cNvPr>
+          <p:cNvSpPr txBox="1"/>
+          <p:nvPr/>
+        </p:nvSpPr>
+        <p:spPr>
+          <a:xfrm>
+            <a:off x="352669" y="7963104"/>
+            <a:ext cx="1540535" cy="646331"/>
           </a:xfrm>
           <a:prstGeom prst="rect">
             <a:avLst/>
@@ -3461,91 +4150,32 @@
           <a:p>
             <a:pPr algn="ctr"/>
             <a:r>
-              <a:rPr lang="en-US" sz="3600" dirty="0"/>
-              <a:t>START</a:t>
-            </a:r>
-          </a:p>
-        </p:txBody>
-      </p:sp>
-      <p:sp>
-        <p:nvSpPr>
-          <p:cNvPr id="42" name="Rectangle 41">
-            <a:extLst>
-              <a:ext uri="{FF2B5EF4-FFF2-40B4-BE49-F238E27FC236}">
-                <a16:creationId xmlns:a16="http://schemas.microsoft.com/office/drawing/2014/main" id="{E1392488-ACD3-4008-8B22-3470B3D9283C}"/>
-              </a:ext>
-            </a:extLst>
-          </p:cNvPr>
-          <p:cNvSpPr/>
-          <p:nvPr/>
-        </p:nvSpPr>
-        <p:spPr>
-          <a:xfrm>
-            <a:off x="245014" y="4037468"/>
-            <a:ext cx="1539115" cy="337872"/>
-          </a:xfrm>
-          <a:prstGeom prst="rect">
-            <a:avLst/>
-          </a:prstGeom>
-          <a:solidFill>
-            <a:schemeClr val="accent3">
-              <a:lumMod val="40000"/>
-              <a:lumOff val="60000"/>
-            </a:schemeClr>
-          </a:solidFill>
-        </p:spPr>
-        <p:style>
-          <a:lnRef idx="2">
-            <a:schemeClr val="accent1">
-              <a:shade val="50000"/>
-            </a:schemeClr>
-          </a:lnRef>
-          <a:fillRef idx="1">
-            <a:schemeClr val="accent1"/>
-          </a:fillRef>
-          <a:effectRef idx="0">
-            <a:schemeClr val="accent1"/>
-          </a:effectRef>
-          <a:fontRef idx="minor">
-            <a:schemeClr val="lt1"/>
-          </a:fontRef>
-        </p:style>
-        <p:txBody>
-          <a:bodyPr rtlCol="0" anchor="ctr"/>
-          <a:lstStyle/>
-          <a:p>
-            <a:pPr algn="ctr"/>
-            <a:r>
-              <a:rPr lang="en-US" dirty="0">
-                <a:solidFill>
-                  <a:schemeClr val="tx1"/>
-                </a:solidFill>
-              </a:rPr>
-              <a:t>Subaqueous?</a:t>
+              <a:rPr lang="en-US" dirty="0"/>
+              <a:t>Marine water body bottom</a:t>
             </a:r>
           </a:p>
         </p:txBody>
       </p:sp>
       <p:cxnSp>
         <p:nvCxnSpPr>
-          <p:cNvPr id="45" name="Straight Arrow Connector 44">
-            <a:extLst>
-              <a:ext uri="{FF2B5EF4-FFF2-40B4-BE49-F238E27FC236}">
-                <a16:creationId xmlns:a16="http://schemas.microsoft.com/office/drawing/2014/main" id="{28E3AD16-A9CA-4F88-BD95-37974A97804F}"/>
+          <p:cNvPr id="225" name="Straight Arrow Connector 224">
+            <a:extLst>
+              <a:ext uri="{FF2B5EF4-FFF2-40B4-BE49-F238E27FC236}">
+                <a16:creationId xmlns:a16="http://schemas.microsoft.com/office/drawing/2014/main" id="{108A2297-C67D-4242-AE9C-96AA0C745A75}"/>
               </a:ext>
             </a:extLst>
           </p:cNvPr>
           <p:cNvCxnSpPr>
             <a:cxnSpLocks/>
-            <a:stCxn id="42" idx="2"/>
-            <a:endCxn id="15" idx="0"/>
+            <a:stCxn id="107" idx="2"/>
+            <a:endCxn id="247" idx="0"/>
           </p:cNvCxnSpPr>
           <p:nvPr/>
         </p:nvCxnSpPr>
         <p:spPr>
-          <a:xfrm flipH="1">
-            <a:off x="755673" y="4375340"/>
-            <a:ext cx="258899" cy="623382"/>
+          <a:xfrm>
+            <a:off x="10002459" y="9102522"/>
+            <a:ext cx="1189651" cy="968966"/>
           </a:xfrm>
           <a:prstGeom prst="straightConnector1">
             <a:avLst/>
@@ -3576,10 +4206,163 @@
       </p:cxnSp>
       <p:sp>
         <p:nvSpPr>
-          <p:cNvPr id="48" name="TextBox 47">
-            <a:extLst>
-              <a:ext uri="{FF2B5EF4-FFF2-40B4-BE49-F238E27FC236}">
-                <a16:creationId xmlns:a16="http://schemas.microsoft.com/office/drawing/2014/main" id="{6CC12618-518F-4D6C-AB01-16E29ECCEF32}"/>
+          <p:cNvPr id="235" name="Rectangle 234">
+            <a:extLst>
+              <a:ext uri="{FF2B5EF4-FFF2-40B4-BE49-F238E27FC236}">
+                <a16:creationId xmlns:a16="http://schemas.microsoft.com/office/drawing/2014/main" id="{B9220C1C-5211-42FA-8B03-E1A3D3B52586}"/>
+              </a:ext>
+            </a:extLst>
+          </p:cNvPr>
+          <p:cNvSpPr/>
+          <p:nvPr/>
+        </p:nvSpPr>
+        <p:spPr>
+          <a:xfrm>
+            <a:off x="4119924" y="6006953"/>
+            <a:ext cx="1392829" cy="509417"/>
+          </a:xfrm>
+          <a:prstGeom prst="rect">
+            <a:avLst/>
+          </a:prstGeom>
+          <a:solidFill>
+            <a:schemeClr val="accent3">
+              <a:lumMod val="40000"/>
+              <a:lumOff val="60000"/>
+            </a:schemeClr>
+          </a:solidFill>
+        </p:spPr>
+        <p:style>
+          <a:lnRef idx="2">
+            <a:schemeClr val="accent1">
+              <a:shade val="50000"/>
+            </a:schemeClr>
+          </a:lnRef>
+          <a:fillRef idx="1">
+            <a:schemeClr val="accent1"/>
+          </a:fillRef>
+          <a:effectRef idx="0">
+            <a:schemeClr val="accent1"/>
+          </a:effectRef>
+          <a:fontRef idx="minor">
+            <a:schemeClr val="lt1"/>
+          </a:fontRef>
+        </p:style>
+        <p:txBody>
+          <a:bodyPr rtlCol="0" anchor="ctr"/>
+          <a:lstStyle/>
+          <a:p>
+            <a:pPr algn="ctr"/>
+            <a:r>
+              <a:rPr lang="en-US" dirty="0">
+                <a:solidFill>
+                  <a:schemeClr val="tx1"/>
+                </a:solidFill>
+              </a:rPr>
+              <a:t>Subaqueous surface</a:t>
+            </a:r>
+          </a:p>
+        </p:txBody>
+      </p:sp>
+      <p:cxnSp>
+        <p:nvCxnSpPr>
+          <p:cNvPr id="238" name="Straight Arrow Connector 237">
+            <a:extLst>
+              <a:ext uri="{FF2B5EF4-FFF2-40B4-BE49-F238E27FC236}">
+                <a16:creationId xmlns:a16="http://schemas.microsoft.com/office/drawing/2014/main" id="{837540BE-4C57-4F47-AD77-F49606E2E9A8}"/>
+              </a:ext>
+            </a:extLst>
+          </p:cNvPr>
+          <p:cNvCxnSpPr>
+            <a:cxnSpLocks/>
+            <a:stCxn id="89" idx="2"/>
+            <a:endCxn id="369" idx="0"/>
+          </p:cNvCxnSpPr>
+          <p:nvPr/>
+        </p:nvCxnSpPr>
+        <p:spPr>
+          <a:xfrm flipH="1">
+            <a:off x="5417273" y="7829087"/>
+            <a:ext cx="3025143" cy="1819463"/>
+          </a:xfrm>
+          <a:prstGeom prst="straightConnector1">
+            <a:avLst/>
+          </a:prstGeom>
+          <a:ln w="57150">
+            <a:solidFill>
+              <a:srgbClr val="00B050"/>
+            </a:solidFill>
+            <a:headEnd type="none" w="med" len="med"/>
+            <a:tailEnd type="triangle" w="med" len="med"/>
+          </a:ln>
+        </p:spPr>
+        <p:style>
+          <a:lnRef idx="1">
+            <a:schemeClr val="accent1"/>
+          </a:lnRef>
+          <a:fillRef idx="0">
+            <a:schemeClr val="accent1"/>
+          </a:fillRef>
+          <a:effectRef idx="0">
+            <a:schemeClr val="accent1"/>
+          </a:effectRef>
+          <a:fontRef idx="minor">
+            <a:schemeClr val="tx1"/>
+          </a:fontRef>
+        </p:style>
+      </p:cxnSp>
+      <p:cxnSp>
+        <p:nvCxnSpPr>
+          <p:cNvPr id="241" name="Straight Arrow Connector 240">
+            <a:extLst>
+              <a:ext uri="{FF2B5EF4-FFF2-40B4-BE49-F238E27FC236}">
+                <a16:creationId xmlns:a16="http://schemas.microsoft.com/office/drawing/2014/main" id="{36837A78-C0BF-48A6-8F41-DD99C3757584}"/>
+              </a:ext>
+            </a:extLst>
+          </p:cNvPr>
+          <p:cNvCxnSpPr>
+            <a:cxnSpLocks/>
+            <a:stCxn id="107" idx="2"/>
+            <a:endCxn id="242" idx="0"/>
+          </p:cNvCxnSpPr>
+          <p:nvPr/>
+        </p:nvCxnSpPr>
+        <p:spPr>
+          <a:xfrm flipH="1">
+            <a:off x="8484828" y="9102522"/>
+            <a:ext cx="1517631" cy="901198"/>
+          </a:xfrm>
+          <a:prstGeom prst="straightConnector1">
+            <a:avLst/>
+          </a:prstGeom>
+          <a:ln w="57150">
+            <a:solidFill>
+              <a:srgbClr val="00B050"/>
+            </a:solidFill>
+            <a:headEnd type="none" w="med" len="med"/>
+            <a:tailEnd type="triangle" w="med" len="med"/>
+          </a:ln>
+        </p:spPr>
+        <p:style>
+          <a:lnRef idx="1">
+            <a:schemeClr val="accent1"/>
+          </a:lnRef>
+          <a:fillRef idx="0">
+            <a:schemeClr val="accent1"/>
+          </a:fillRef>
+          <a:effectRef idx="0">
+            <a:schemeClr val="accent1"/>
+          </a:effectRef>
+          <a:fontRef idx="minor">
+            <a:schemeClr val="tx1"/>
+          </a:fontRef>
+        </p:style>
+      </p:cxnSp>
+      <p:sp>
+        <p:nvSpPr>
+          <p:cNvPr id="242" name="TextBox 241">
+            <a:extLst>
+              <a:ext uri="{FF2B5EF4-FFF2-40B4-BE49-F238E27FC236}">
+                <a16:creationId xmlns:a16="http://schemas.microsoft.com/office/drawing/2014/main" id="{9C026F40-B1E4-474F-A792-8BD2BDCDA574}"/>
               </a:ext>
             </a:extLst>
           </p:cNvPr>
@@ -3588,8 +4371,8 @@
         </p:nvSpPr>
         <p:spPr>
           <a:xfrm>
-            <a:off x="1953868" y="4707895"/>
-            <a:ext cx="1353169" cy="923330"/>
+            <a:off x="7580733" y="10003720"/>
+            <a:ext cx="1808190" cy="646331"/>
           </a:xfrm>
           <a:prstGeom prst="rect">
             <a:avLst/>
@@ -3612,64 +4395,17 @@
             <a:pPr algn="ctr"/>
             <a:r>
               <a:rPr lang="en-US" dirty="0"/>
-              <a:t>Subaqueous terrestrial biome</a:t>
-            </a:r>
-          </a:p>
-        </p:txBody>
-      </p:sp>
-      <p:cxnSp>
-        <p:nvCxnSpPr>
-          <p:cNvPr id="51" name="Straight Arrow Connector 50">
-            <a:extLst>
-              <a:ext uri="{FF2B5EF4-FFF2-40B4-BE49-F238E27FC236}">
-                <a16:creationId xmlns:a16="http://schemas.microsoft.com/office/drawing/2014/main" id="{1B5A57EC-76A7-44FB-AC9E-5402DAB10170}"/>
-              </a:ext>
-            </a:extLst>
-          </p:cNvPr>
-          <p:cNvCxnSpPr>
-            <a:cxnSpLocks/>
-            <a:stCxn id="42" idx="2"/>
-            <a:endCxn id="48" idx="1"/>
-          </p:cNvCxnSpPr>
-          <p:nvPr/>
-        </p:nvCxnSpPr>
-        <p:spPr>
-          <a:xfrm>
-            <a:off x="1014572" y="4375340"/>
-            <a:ext cx="939296" cy="794220"/>
-          </a:xfrm>
-          <a:prstGeom prst="straightConnector1">
-            <a:avLst/>
-          </a:prstGeom>
-          <a:ln w="57150">
-            <a:solidFill>
-              <a:srgbClr val="00B050"/>
-            </a:solidFill>
-            <a:headEnd type="none" w="med" len="med"/>
-            <a:tailEnd type="triangle" w="med" len="med"/>
-          </a:ln>
-        </p:spPr>
-        <p:style>
-          <a:lnRef idx="1">
-            <a:schemeClr val="accent1"/>
-          </a:lnRef>
-          <a:fillRef idx="0">
-            <a:schemeClr val="accent1"/>
-          </a:fillRef>
-          <a:effectRef idx="0">
-            <a:schemeClr val="accent1"/>
-          </a:effectRef>
-          <a:fontRef idx="minor">
-            <a:schemeClr val="tx1"/>
-          </a:fontRef>
-        </p:style>
-      </p:cxnSp>
-      <p:sp>
-        <p:nvSpPr>
-          <p:cNvPr id="88" name="Rectangle 87">
-            <a:extLst>
-              <a:ext uri="{FF2B5EF4-FFF2-40B4-BE49-F238E27FC236}">
-                <a16:creationId xmlns:a16="http://schemas.microsoft.com/office/drawing/2014/main" id="{D814BC51-025B-494A-9C6B-6C7A9BA37791}"/>
+              <a:t>Subsurface fluid reservoir</a:t>
+            </a:r>
+          </a:p>
+        </p:txBody>
+      </p:sp>
+      <p:sp>
+        <p:nvSpPr>
+          <p:cNvPr id="246" name="Rectangle 245">
+            <a:extLst>
+              <a:ext uri="{FF2B5EF4-FFF2-40B4-BE49-F238E27FC236}">
+                <a16:creationId xmlns:a16="http://schemas.microsoft.com/office/drawing/2014/main" id="{14696843-1A9D-49BF-99EC-DB6D7AA82E80}"/>
               </a:ext>
             </a:extLst>
           </p:cNvPr>
@@ -3678,8 +4414,8 @@
         </p:nvSpPr>
         <p:spPr>
           <a:xfrm>
-            <a:off x="10067081" y="2449361"/>
-            <a:ext cx="1655303" cy="551534"/>
+            <a:off x="702129" y="6755324"/>
+            <a:ext cx="2275510" cy="586234"/>
           </a:xfrm>
           <a:prstGeom prst="rect">
             <a:avLst/>
@@ -3718,17 +4454,17 @@
                   <a:schemeClr val="tx1"/>
                 </a:solidFill>
               </a:rPr>
-              <a:t>Research environment</a:t>
-            </a:r>
-          </a:p>
-        </p:txBody>
-      </p:sp>
-      <p:sp>
-        <p:nvSpPr>
-          <p:cNvPr id="89" name="Rectangle 88">
-            <a:extLst>
-              <a:ext uri="{FF2B5EF4-FFF2-40B4-BE49-F238E27FC236}">
-                <a16:creationId xmlns:a16="http://schemas.microsoft.com/office/drawing/2014/main" id="{09C247AF-8D53-409B-96B2-7EFA5627252E}"/>
+              <a:t>In marine or brackish water body?</a:t>
+            </a:r>
+          </a:p>
+        </p:txBody>
+      </p:sp>
+      <p:sp>
+        <p:nvSpPr>
+          <p:cNvPr id="247" name="Rectangle 246">
+            <a:extLst>
+              <a:ext uri="{FF2B5EF4-FFF2-40B4-BE49-F238E27FC236}">
+                <a16:creationId xmlns:a16="http://schemas.microsoft.com/office/drawing/2014/main" id="{F543492A-F06A-4B5D-8A94-F3F8D94DC171}"/>
               </a:ext>
             </a:extLst>
           </p:cNvPr>
@@ -3737,8 +4473,8 @@
         </p:nvSpPr>
         <p:spPr>
           <a:xfrm>
-            <a:off x="7736225" y="7441328"/>
-            <a:ext cx="1412382" cy="387759"/>
+            <a:off x="10485919" y="10071488"/>
+            <a:ext cx="1412382" cy="509417"/>
           </a:xfrm>
           <a:prstGeom prst="rect">
             <a:avLst/>
@@ -3777,90 +4513,31 @@
                   <a:schemeClr val="tx1"/>
                 </a:solidFill>
               </a:rPr>
-              <a:t>Water Body</a:t>
-            </a:r>
-          </a:p>
-        </p:txBody>
-      </p:sp>
-      <p:sp>
-        <p:nvSpPr>
-          <p:cNvPr id="90" name="Rectangle 89">
-            <a:extLst>
-              <a:ext uri="{FF2B5EF4-FFF2-40B4-BE49-F238E27FC236}">
-                <a16:creationId xmlns:a16="http://schemas.microsoft.com/office/drawing/2014/main" id="{07047C11-2A2B-4934-985C-C44CF61DABA6}"/>
-              </a:ext>
-            </a:extLst>
-          </p:cNvPr>
-          <p:cNvSpPr/>
-          <p:nvPr/>
-        </p:nvSpPr>
-        <p:spPr>
-          <a:xfrm>
-            <a:off x="3566921" y="1317033"/>
-            <a:ext cx="1742727" cy="614216"/>
-          </a:xfrm>
-          <a:prstGeom prst="rect">
-            <a:avLst/>
-          </a:prstGeom>
-          <a:solidFill>
-            <a:schemeClr val="accent3">
-              <a:lumMod val="40000"/>
-              <a:lumOff val="60000"/>
-            </a:schemeClr>
-          </a:solidFill>
-        </p:spPr>
-        <p:style>
-          <a:lnRef idx="2">
-            <a:schemeClr val="accent1">
-              <a:shade val="50000"/>
-            </a:schemeClr>
-          </a:lnRef>
-          <a:fillRef idx="1">
-            <a:schemeClr val="accent1"/>
-          </a:fillRef>
-          <a:effectRef idx="0">
-            <a:schemeClr val="accent1"/>
-          </a:effectRef>
-          <a:fontRef idx="minor">
-            <a:schemeClr val="lt1"/>
-          </a:fontRef>
-        </p:style>
-        <p:txBody>
-          <a:bodyPr rtlCol="0" anchor="ctr"/>
-          <a:lstStyle/>
-          <a:p>
-            <a:pPr algn="ctr"/>
-            <a:r>
-              <a:rPr lang="en-US" dirty="0">
-                <a:solidFill>
-                  <a:schemeClr val="tx1"/>
-                </a:solidFill>
-              </a:rPr>
-              <a:t>Extraterrestrial environment</a:t>
+              <a:t>Earth interior</a:t>
             </a:r>
           </a:p>
         </p:txBody>
       </p:sp>
       <p:cxnSp>
         <p:nvCxnSpPr>
-          <p:cNvPr id="91" name="Straight Arrow Connector 90">
-            <a:extLst>
-              <a:ext uri="{FF2B5EF4-FFF2-40B4-BE49-F238E27FC236}">
-                <a16:creationId xmlns:a16="http://schemas.microsoft.com/office/drawing/2014/main" id="{36169B19-1AD6-4BAB-BFE1-E80A44217C54}"/>
+          <p:cNvPr id="251" name="Straight Arrow Connector 250">
+            <a:extLst>
+              <a:ext uri="{FF2B5EF4-FFF2-40B4-BE49-F238E27FC236}">
+                <a16:creationId xmlns:a16="http://schemas.microsoft.com/office/drawing/2014/main" id="{228FF793-0B4D-4554-B573-E4744A6B1D45}"/>
               </a:ext>
             </a:extLst>
           </p:cNvPr>
           <p:cNvCxnSpPr>
             <a:cxnSpLocks/>
-            <a:stCxn id="7" idx="2"/>
-            <a:endCxn id="109" idx="0"/>
+            <a:stCxn id="246" idx="2"/>
+            <a:endCxn id="363" idx="0"/>
           </p:cNvCxnSpPr>
           <p:nvPr/>
         </p:nvCxnSpPr>
         <p:spPr>
-          <a:xfrm flipH="1">
-            <a:off x="7350427" y="2296357"/>
-            <a:ext cx="653441" cy="484785"/>
+          <a:xfrm>
+            <a:off x="1839884" y="7341558"/>
+            <a:ext cx="1080486" cy="619203"/>
           </a:xfrm>
           <a:prstGeom prst="straightConnector1">
             <a:avLst/>
@@ -3889,203 +4566,26 @@
           </a:fontRef>
         </p:style>
       </p:cxnSp>
-      <p:sp>
-        <p:nvSpPr>
-          <p:cNvPr id="107" name="Rectangle 106">
-            <a:extLst>
-              <a:ext uri="{FF2B5EF4-FFF2-40B4-BE49-F238E27FC236}">
-                <a16:creationId xmlns:a16="http://schemas.microsoft.com/office/drawing/2014/main" id="{12AA6E2C-6F62-4DFF-A6E4-CB616953BE20}"/>
-              </a:ext>
-            </a:extLst>
-          </p:cNvPr>
-          <p:cNvSpPr/>
-          <p:nvPr/>
-        </p:nvSpPr>
-        <p:spPr>
-          <a:xfrm>
-            <a:off x="9172224" y="8593105"/>
-            <a:ext cx="1660469" cy="509417"/>
-          </a:xfrm>
-          <a:prstGeom prst="rect">
-            <a:avLst/>
-          </a:prstGeom>
-          <a:solidFill>
-            <a:schemeClr val="accent3">
-              <a:lumMod val="40000"/>
-              <a:lumOff val="60000"/>
-            </a:schemeClr>
-          </a:solidFill>
-        </p:spPr>
-        <p:style>
-          <a:lnRef idx="2">
-            <a:schemeClr val="accent1">
-              <a:shade val="50000"/>
-            </a:schemeClr>
-          </a:lnRef>
-          <a:fillRef idx="1">
-            <a:schemeClr val="accent1"/>
-          </a:fillRef>
-          <a:effectRef idx="0">
-            <a:schemeClr val="accent1"/>
-          </a:effectRef>
-          <a:fontRef idx="minor">
-            <a:schemeClr val="lt1"/>
-          </a:fontRef>
-        </p:style>
-        <p:txBody>
-          <a:bodyPr rtlCol="0" anchor="ctr"/>
-          <a:lstStyle/>
-          <a:p>
-            <a:pPr algn="ctr"/>
-            <a:r>
-              <a:rPr lang="en-US" dirty="0">
-                <a:solidFill>
-                  <a:schemeClr val="tx1"/>
-                </a:solidFill>
-              </a:rPr>
-              <a:t>Subsurface fluid reservoir</a:t>
-            </a:r>
-          </a:p>
-        </p:txBody>
-      </p:sp>
-      <p:sp>
-        <p:nvSpPr>
-          <p:cNvPr id="108" name="Rectangle 107">
-            <a:extLst>
-              <a:ext uri="{FF2B5EF4-FFF2-40B4-BE49-F238E27FC236}">
-                <a16:creationId xmlns:a16="http://schemas.microsoft.com/office/drawing/2014/main" id="{E93F2478-8196-4869-A4C1-9BEFF3474C49}"/>
-              </a:ext>
-            </a:extLst>
-          </p:cNvPr>
-          <p:cNvSpPr/>
-          <p:nvPr/>
-        </p:nvSpPr>
-        <p:spPr>
-          <a:xfrm>
-            <a:off x="5698886" y="5088818"/>
-            <a:ext cx="1586566" cy="441531"/>
-          </a:xfrm>
-          <a:prstGeom prst="rect">
-            <a:avLst/>
-          </a:prstGeom>
-          <a:solidFill>
-            <a:schemeClr val="accent3">
-              <a:lumMod val="40000"/>
-              <a:lumOff val="60000"/>
-            </a:schemeClr>
-          </a:solidFill>
-        </p:spPr>
-        <p:style>
-          <a:lnRef idx="2">
-            <a:schemeClr val="accent1">
-              <a:shade val="50000"/>
-            </a:schemeClr>
-          </a:lnRef>
-          <a:fillRef idx="1">
-            <a:schemeClr val="accent1"/>
-          </a:fillRef>
-          <a:effectRef idx="0">
-            <a:schemeClr val="accent1"/>
-          </a:effectRef>
-          <a:fontRef idx="minor">
-            <a:schemeClr val="lt1"/>
-          </a:fontRef>
-        </p:style>
-        <p:txBody>
-          <a:bodyPr rtlCol="0" anchor="ctr"/>
-          <a:lstStyle/>
-          <a:p>
-            <a:pPr algn="ctr"/>
-            <a:r>
-              <a:rPr lang="en-US" dirty="0">
-                <a:solidFill>
-                  <a:schemeClr val="tx1"/>
-                </a:solidFill>
-              </a:rPr>
-              <a:t>Earth Surface</a:t>
-            </a:r>
-          </a:p>
-        </p:txBody>
-      </p:sp>
-      <p:sp>
-        <p:nvSpPr>
-          <p:cNvPr id="109" name="Rectangle 108">
-            <a:extLst>
-              <a:ext uri="{FF2B5EF4-FFF2-40B4-BE49-F238E27FC236}">
-                <a16:creationId xmlns:a16="http://schemas.microsoft.com/office/drawing/2014/main" id="{2992030B-E0AF-43C1-B7C7-E764F90B3579}"/>
-              </a:ext>
-            </a:extLst>
-          </p:cNvPr>
-          <p:cNvSpPr/>
-          <p:nvPr/>
-        </p:nvSpPr>
-        <p:spPr>
-          <a:xfrm>
-            <a:off x="6644236" y="2781142"/>
-            <a:ext cx="1412382" cy="509417"/>
-          </a:xfrm>
-          <a:prstGeom prst="rect">
-            <a:avLst/>
-          </a:prstGeom>
-          <a:solidFill>
-            <a:schemeClr val="accent3">
-              <a:lumMod val="40000"/>
-              <a:lumOff val="60000"/>
-            </a:schemeClr>
-          </a:solidFill>
-        </p:spPr>
-        <p:style>
-          <a:lnRef idx="2">
-            <a:schemeClr val="accent1">
-              <a:shade val="50000"/>
-            </a:schemeClr>
-          </a:lnRef>
-          <a:fillRef idx="1">
-            <a:schemeClr val="accent1"/>
-          </a:fillRef>
-          <a:effectRef idx="0">
-            <a:schemeClr val="accent1"/>
-          </a:effectRef>
-          <a:fontRef idx="minor">
-            <a:schemeClr val="lt1"/>
-          </a:fontRef>
-        </p:style>
-        <p:txBody>
-          <a:bodyPr rtlCol="0" anchor="ctr"/>
-          <a:lstStyle/>
-          <a:p>
-            <a:pPr algn="ctr"/>
-            <a:r>
-              <a:rPr lang="en-US" dirty="0">
-                <a:solidFill>
-                  <a:schemeClr val="tx1"/>
-                </a:solidFill>
-              </a:rPr>
-              <a:t>Atmosphere</a:t>
-            </a:r>
-          </a:p>
-        </p:txBody>
-      </p:sp>
       <p:cxnSp>
         <p:nvCxnSpPr>
-          <p:cNvPr id="111" name="Straight Arrow Connector 110">
-            <a:extLst>
-              <a:ext uri="{FF2B5EF4-FFF2-40B4-BE49-F238E27FC236}">
-                <a16:creationId xmlns:a16="http://schemas.microsoft.com/office/drawing/2014/main" id="{50CBD061-6691-4CBA-B196-5C71474EBCB2}"/>
+          <p:cNvPr id="262" name="Straight Arrow Connector 261">
+            <a:extLst>
+              <a:ext uri="{FF2B5EF4-FFF2-40B4-BE49-F238E27FC236}">
+                <a16:creationId xmlns:a16="http://schemas.microsoft.com/office/drawing/2014/main" id="{407BAD10-24B5-42E4-B150-E2D8CEEE76C7}"/>
               </a:ext>
             </a:extLst>
           </p:cNvPr>
           <p:cNvCxnSpPr>
             <a:cxnSpLocks/>
-            <a:stCxn id="88" idx="2"/>
-            <a:endCxn id="223" idx="0"/>
+            <a:stCxn id="246" idx="2"/>
+            <a:endCxn id="219" idx="0"/>
           </p:cNvCxnSpPr>
           <p:nvPr/>
         </p:nvCxnSpPr>
         <p:spPr>
           <a:xfrm flipH="1">
-            <a:off x="8911707" y="3000895"/>
-            <a:ext cx="1983026" cy="631730"/>
+            <a:off x="1122937" y="7341558"/>
+            <a:ext cx="716947" cy="621546"/>
           </a:xfrm>
           <a:prstGeom prst="straightConnector1">
             <a:avLst/>
@@ -4115,24 +4615,24 @@
       </p:cxnSp>
       <p:cxnSp>
         <p:nvCxnSpPr>
-          <p:cNvPr id="112" name="Straight Arrow Connector 111">
-            <a:extLst>
-              <a:ext uri="{FF2B5EF4-FFF2-40B4-BE49-F238E27FC236}">
-                <a16:creationId xmlns:a16="http://schemas.microsoft.com/office/drawing/2014/main" id="{30374461-F687-45A5-A91B-1F70332FE8FD}"/>
+          <p:cNvPr id="294" name="Straight Arrow Connector 293">
+            <a:extLst>
+              <a:ext uri="{FF2B5EF4-FFF2-40B4-BE49-F238E27FC236}">
+                <a16:creationId xmlns:a16="http://schemas.microsoft.com/office/drawing/2014/main" id="{5B841477-B4CB-4B92-8339-228C39B61FCD}"/>
               </a:ext>
             </a:extLst>
           </p:cNvPr>
           <p:cNvCxnSpPr>
             <a:cxnSpLocks/>
-            <a:stCxn id="7" idx="3"/>
-            <a:endCxn id="88" idx="1"/>
+            <a:stCxn id="235" idx="1"/>
+            <a:endCxn id="246" idx="3"/>
           </p:cNvCxnSpPr>
           <p:nvPr/>
         </p:nvCxnSpPr>
         <p:spPr>
-          <a:xfrm>
-            <a:off x="8828344" y="1981516"/>
-            <a:ext cx="1238737" cy="743612"/>
+          <a:xfrm flipH="1">
+            <a:off x="2977639" y="6261662"/>
+            <a:ext cx="1142285" cy="786779"/>
           </a:xfrm>
           <a:prstGeom prst="straightConnector1">
             <a:avLst/>
@@ -4160,59 +4660,12 @@
           </a:fontRef>
         </p:style>
       </p:cxnSp>
-      <p:cxnSp>
-        <p:nvCxnSpPr>
-          <p:cNvPr id="113" name="Straight Arrow Connector 112">
-            <a:extLst>
-              <a:ext uri="{FF2B5EF4-FFF2-40B4-BE49-F238E27FC236}">
-                <a16:creationId xmlns:a16="http://schemas.microsoft.com/office/drawing/2014/main" id="{7E6E53B5-32C6-4B06-8E20-1D99654BE8EA}"/>
-              </a:ext>
-            </a:extLst>
-          </p:cNvPr>
-          <p:cNvCxnSpPr>
-            <a:cxnSpLocks/>
-            <a:stCxn id="109" idx="1"/>
-            <a:endCxn id="116" idx="3"/>
-          </p:cNvCxnSpPr>
-          <p:nvPr/>
-        </p:nvCxnSpPr>
-        <p:spPr>
-          <a:xfrm flipH="1">
-            <a:off x="5689205" y="3035851"/>
-            <a:ext cx="955031" cy="291734"/>
-          </a:xfrm>
-          <a:prstGeom prst="straightConnector1">
-            <a:avLst/>
-          </a:prstGeom>
-          <a:ln w="57150">
-            <a:solidFill>
-              <a:srgbClr val="00B050"/>
-            </a:solidFill>
-            <a:headEnd type="none" w="med" len="med"/>
-            <a:tailEnd type="triangle" w="med" len="med"/>
-          </a:ln>
-        </p:spPr>
-        <p:style>
-          <a:lnRef idx="1">
-            <a:schemeClr val="accent1"/>
-          </a:lnRef>
-          <a:fillRef idx="0">
-            <a:schemeClr val="accent1"/>
-          </a:fillRef>
-          <a:effectRef idx="0">
-            <a:schemeClr val="accent1"/>
-          </a:effectRef>
-          <a:fontRef idx="minor">
-            <a:schemeClr val="tx1"/>
-          </a:fontRef>
-        </p:style>
-      </p:cxnSp>
-      <p:sp>
-        <p:nvSpPr>
-          <p:cNvPr id="116" name="TextBox 115">
-            <a:extLst>
-              <a:ext uri="{FF2B5EF4-FFF2-40B4-BE49-F238E27FC236}">
-                <a16:creationId xmlns:a16="http://schemas.microsoft.com/office/drawing/2014/main" id="{882E19A5-8C8E-4D5A-B7E9-E5725BDB5C68}"/>
+      <p:sp>
+        <p:nvSpPr>
+          <p:cNvPr id="300" name="TextBox 299">
+            <a:extLst>
+              <a:ext uri="{FF2B5EF4-FFF2-40B4-BE49-F238E27FC236}">
+                <a16:creationId xmlns:a16="http://schemas.microsoft.com/office/drawing/2014/main" id="{84EE1179-8471-4913-947A-C31F907EE28C}"/>
               </a:ext>
             </a:extLst>
           </p:cNvPr>
@@ -4221,8 +4674,8 @@
         </p:nvSpPr>
         <p:spPr>
           <a:xfrm>
-            <a:off x="4276823" y="3142919"/>
-            <a:ext cx="1412382" cy="369332"/>
+            <a:off x="4323689" y="7546975"/>
+            <a:ext cx="1950396" cy="646331"/>
           </a:xfrm>
           <a:prstGeom prst="rect">
             <a:avLst/>
@@ -4245,17 +4698,76 @@
             <a:pPr algn="ctr"/>
             <a:r>
               <a:rPr lang="en-US" dirty="0"/>
-              <a:t>Atmosphere</a:t>
-            </a:r>
-          </a:p>
-        </p:txBody>
-      </p:sp>
-      <p:sp>
-        <p:nvSpPr>
-          <p:cNvPr id="126" name="TextBox 125">
-            <a:extLst>
-              <a:ext uri="{FF2B5EF4-FFF2-40B4-BE49-F238E27FC236}">
-                <a16:creationId xmlns:a16="http://schemas.microsoft.com/office/drawing/2014/main" id="{B2187D7D-827F-4325-A2F4-B9A7A9BE6D24}"/>
+              <a:t>Subaerial surface environment</a:t>
+            </a:r>
+          </a:p>
+        </p:txBody>
+      </p:sp>
+      <p:sp>
+        <p:nvSpPr>
+          <p:cNvPr id="333" name="Rectangle 332">
+            <a:extLst>
+              <a:ext uri="{FF2B5EF4-FFF2-40B4-BE49-F238E27FC236}">
+                <a16:creationId xmlns:a16="http://schemas.microsoft.com/office/drawing/2014/main" id="{35BEA28A-D9D9-476F-86C8-14833C9144CD}"/>
+              </a:ext>
+            </a:extLst>
+          </p:cNvPr>
+          <p:cNvSpPr/>
+          <p:nvPr/>
+        </p:nvSpPr>
+        <p:spPr>
+          <a:xfrm>
+            <a:off x="10851467" y="4118935"/>
+            <a:ext cx="1983026" cy="552263"/>
+          </a:xfrm>
+          <a:prstGeom prst="rect">
+            <a:avLst/>
+          </a:prstGeom>
+          <a:solidFill>
+            <a:schemeClr val="accent3">
+              <a:lumMod val="40000"/>
+              <a:lumOff val="60000"/>
+            </a:schemeClr>
+          </a:solidFill>
+        </p:spPr>
+        <p:style>
+          <a:lnRef idx="2">
+            <a:schemeClr val="accent1">
+              <a:shade val="50000"/>
+            </a:schemeClr>
+          </a:lnRef>
+          <a:fillRef idx="1">
+            <a:schemeClr val="accent1"/>
+          </a:fillRef>
+          <a:effectRef idx="0">
+            <a:schemeClr val="accent1"/>
+          </a:effectRef>
+          <a:fontRef idx="minor">
+            <a:schemeClr val="lt1"/>
+          </a:fontRef>
+        </p:style>
+        <p:txBody>
+          <a:bodyPr rtlCol="0" anchor="ctr"/>
+          <a:lstStyle/>
+          <a:p>
+            <a:pPr algn="ctr"/>
+            <a:r>
+              <a:rPr lang="en-US" dirty="0">
+                <a:solidFill>
+                  <a:schemeClr val="tx1"/>
+                </a:solidFill>
+              </a:rPr>
+              <a:t>Currently occupied by humans</a:t>
+            </a:r>
+          </a:p>
+        </p:txBody>
+      </p:sp>
+      <p:sp>
+        <p:nvSpPr>
+          <p:cNvPr id="337" name="TextBox 336">
+            <a:extLst>
+              <a:ext uri="{FF2B5EF4-FFF2-40B4-BE49-F238E27FC236}">
+                <a16:creationId xmlns:a16="http://schemas.microsoft.com/office/drawing/2014/main" id="{A5269323-C40F-42BB-8FA5-0E03DC4AEAF1}"/>
               </a:ext>
             </a:extLst>
           </p:cNvPr>
@@ -4264,8 +4776,8 @@
         </p:nvSpPr>
         <p:spPr>
           <a:xfrm>
-            <a:off x="9030468" y="4900738"/>
-            <a:ext cx="1508101" cy="646331"/>
+            <a:off x="11655380" y="5945775"/>
+            <a:ext cx="1908771" cy="646331"/>
           </a:xfrm>
           <a:prstGeom prst="rect">
             <a:avLst/>
@@ -4281,319 +4793,67 @@
             <a:pPr algn="ctr"/>
             <a:r>
               <a:rPr lang="en-US" b="1" dirty="0"/>
-              <a:t>Laboratory environment</a:t>
+              <a:t>Site of past human activities</a:t>
+            </a:r>
+          </a:p>
+        </p:txBody>
+      </p:sp>
+      <p:sp>
+        <p:nvSpPr>
+          <p:cNvPr id="342" name="TextBox 341">
+            <a:extLst>
+              <a:ext uri="{FF2B5EF4-FFF2-40B4-BE49-F238E27FC236}">
+                <a16:creationId xmlns:a16="http://schemas.microsoft.com/office/drawing/2014/main" id="{CAF7B8F2-9DD2-45B8-A5BB-9A66521B9682}"/>
+              </a:ext>
+            </a:extLst>
+          </p:cNvPr>
+          <p:cNvSpPr txBox="1"/>
+          <p:nvPr/>
+        </p:nvSpPr>
+        <p:spPr>
+          <a:xfrm>
+            <a:off x="9676453" y="6004097"/>
+            <a:ext cx="1657575" cy="646331"/>
+          </a:xfrm>
+          <a:prstGeom prst="rect">
+            <a:avLst/>
+          </a:prstGeom>
+          <a:noFill/>
+        </p:spPr>
+        <p:txBody>
+          <a:bodyPr wrap="square" rtlCol="0">
+            <a:spAutoFit/>
+          </a:bodyPr>
+          <a:lstStyle/>
+          <a:p>
+            <a:pPr algn="ctr"/>
+            <a:r>
+              <a:rPr lang="en-US" b="1" dirty="0"/>
+              <a:t>Active human occupation site</a:t>
             </a:r>
           </a:p>
         </p:txBody>
       </p:sp>
       <p:cxnSp>
         <p:nvCxnSpPr>
-          <p:cNvPr id="128" name="Straight Arrow Connector 127">
-            <a:extLst>
-              <a:ext uri="{FF2B5EF4-FFF2-40B4-BE49-F238E27FC236}">
-                <a16:creationId xmlns:a16="http://schemas.microsoft.com/office/drawing/2014/main" id="{4D5CD2A0-BB97-4935-A58A-5AB1D47CDB54}"/>
-              </a:ext>
-            </a:extLst>
-          </p:cNvPr>
-          <p:cNvCxnSpPr>
-            <a:cxnSpLocks/>
-            <a:stCxn id="88" idx="2"/>
-            <a:endCxn id="333" idx="0"/>
-          </p:cNvCxnSpPr>
-          <p:nvPr/>
-        </p:nvCxnSpPr>
-        <p:spPr>
-          <a:xfrm>
-            <a:off x="10894733" y="3000895"/>
-            <a:ext cx="948247" cy="1118040"/>
-          </a:xfrm>
-          <a:prstGeom prst="straightConnector1">
-            <a:avLst/>
-          </a:prstGeom>
-          <a:ln w="57150">
-            <a:solidFill>
-              <a:srgbClr val="FF0000"/>
-            </a:solidFill>
-            <a:prstDash val="sysDash"/>
-            <a:headEnd type="none" w="med" len="med"/>
-            <a:tailEnd type="triangle" w="med" len="med"/>
-          </a:ln>
-        </p:spPr>
-        <p:style>
-          <a:lnRef idx="1">
-            <a:schemeClr val="accent1"/>
-          </a:lnRef>
-          <a:fillRef idx="0">
-            <a:schemeClr val="accent1"/>
-          </a:fillRef>
-          <a:effectRef idx="0">
-            <a:schemeClr val="accent1"/>
-          </a:effectRef>
-          <a:fontRef idx="minor">
-            <a:schemeClr val="tx1"/>
-          </a:fontRef>
-        </p:style>
-      </p:cxnSp>
-      <p:cxnSp>
-        <p:nvCxnSpPr>
-          <p:cNvPr id="143" name="Straight Arrow Connector 142">
-            <a:extLst>
-              <a:ext uri="{FF2B5EF4-FFF2-40B4-BE49-F238E27FC236}">
-                <a16:creationId xmlns:a16="http://schemas.microsoft.com/office/drawing/2014/main" id="{46CC5E8E-E881-4677-9742-6D58E57515E6}"/>
-              </a:ext>
-            </a:extLst>
-          </p:cNvPr>
-          <p:cNvCxnSpPr>
-            <a:cxnSpLocks/>
-            <a:stCxn id="109" idx="2"/>
-            <a:endCxn id="99" idx="0"/>
-          </p:cNvCxnSpPr>
-          <p:nvPr/>
-        </p:nvCxnSpPr>
-        <p:spPr>
-          <a:xfrm flipH="1">
-            <a:off x="6818439" y="3290559"/>
-            <a:ext cx="531988" cy="455410"/>
-          </a:xfrm>
-          <a:prstGeom prst="straightConnector1">
-            <a:avLst/>
-          </a:prstGeom>
-          <a:ln w="57150">
-            <a:solidFill>
-              <a:srgbClr val="FF0000"/>
-            </a:solidFill>
-            <a:prstDash val="sysDash"/>
-            <a:headEnd type="none" w="med" len="med"/>
-            <a:tailEnd type="triangle" w="med" len="med"/>
-          </a:ln>
-        </p:spPr>
-        <p:style>
-          <a:lnRef idx="1">
-            <a:schemeClr val="accent1"/>
-          </a:lnRef>
-          <a:fillRef idx="0">
-            <a:schemeClr val="accent1"/>
-          </a:fillRef>
-          <a:effectRef idx="0">
-            <a:schemeClr val="accent1"/>
-          </a:effectRef>
-          <a:fontRef idx="minor">
-            <a:schemeClr val="tx1"/>
-          </a:fontRef>
-        </p:style>
-      </p:cxnSp>
-      <p:cxnSp>
-        <p:nvCxnSpPr>
-          <p:cNvPr id="146" name="Straight Arrow Connector 145">
-            <a:extLst>
-              <a:ext uri="{FF2B5EF4-FFF2-40B4-BE49-F238E27FC236}">
-                <a16:creationId xmlns:a16="http://schemas.microsoft.com/office/drawing/2014/main" id="{1B2E558B-8348-47DB-A782-268DD685FA29}"/>
+          <p:cNvPr id="343" name="Straight Arrow Connector 342">
+            <a:extLst>
+              <a:ext uri="{FF2B5EF4-FFF2-40B4-BE49-F238E27FC236}">
+                <a16:creationId xmlns:a16="http://schemas.microsoft.com/office/drawing/2014/main" id="{CC611C46-9176-4255-9B2E-1DBDAA7C41F6}"/>
               </a:ext>
             </a:extLst>
           </p:cNvPr>
           <p:cNvCxnSpPr>
             <a:cxnSpLocks/>
             <a:stCxn id="333" idx="2"/>
-            <a:endCxn id="337" idx="0"/>
+            <a:endCxn id="342" idx="0"/>
           </p:cNvCxnSpPr>
           <p:nvPr/>
         </p:nvCxnSpPr>
         <p:spPr>
-          <a:xfrm>
-            <a:off x="11842980" y="4671198"/>
-            <a:ext cx="735990" cy="1307282"/>
-          </a:xfrm>
-          <a:prstGeom prst="straightConnector1">
-            <a:avLst/>
-          </a:prstGeom>
-          <a:ln w="57150">
-            <a:solidFill>
-              <a:srgbClr val="FF0000"/>
-            </a:solidFill>
-            <a:prstDash val="sysDash"/>
-            <a:headEnd type="none" w="med" len="med"/>
-            <a:tailEnd type="triangle" w="med" len="med"/>
-          </a:ln>
-        </p:spPr>
-        <p:style>
-          <a:lnRef idx="1">
-            <a:schemeClr val="accent1"/>
-          </a:lnRef>
-          <a:fillRef idx="0">
-            <a:schemeClr val="accent1"/>
-          </a:fillRef>
-          <a:effectRef idx="0">
-            <a:schemeClr val="accent1"/>
-          </a:effectRef>
-          <a:fontRef idx="minor">
-            <a:schemeClr val="tx1"/>
-          </a:fontRef>
-        </p:style>
-      </p:cxnSp>
-      <p:cxnSp>
-        <p:nvCxnSpPr>
-          <p:cNvPr id="147" name="Straight Arrow Connector 146">
-            <a:extLst>
-              <a:ext uri="{FF2B5EF4-FFF2-40B4-BE49-F238E27FC236}">
-                <a16:creationId xmlns:a16="http://schemas.microsoft.com/office/drawing/2014/main" id="{C17258AB-0E00-4994-B6E7-513434E8229E}"/>
-              </a:ext>
-            </a:extLst>
-          </p:cNvPr>
-          <p:cNvCxnSpPr>
-            <a:cxnSpLocks/>
-            <a:stCxn id="108" idx="2"/>
-            <a:endCxn id="89" idx="0"/>
-          </p:cNvCxnSpPr>
-          <p:nvPr/>
-        </p:nvCxnSpPr>
-        <p:spPr>
-          <a:xfrm>
-            <a:off x="6492169" y="5530349"/>
-            <a:ext cx="1950247" cy="1910979"/>
-          </a:xfrm>
-          <a:prstGeom prst="straightConnector1">
-            <a:avLst/>
-          </a:prstGeom>
-          <a:ln w="57150">
-            <a:solidFill>
-              <a:srgbClr val="FF0000"/>
-            </a:solidFill>
-            <a:prstDash val="sysDash"/>
-            <a:headEnd type="none" w="med" len="med"/>
-            <a:tailEnd type="triangle" w="med" len="med"/>
-          </a:ln>
-        </p:spPr>
-        <p:style>
-          <a:lnRef idx="1">
-            <a:schemeClr val="accent1"/>
-          </a:lnRef>
-          <a:fillRef idx="0">
-            <a:schemeClr val="accent1"/>
-          </a:fillRef>
-          <a:effectRef idx="0">
-            <a:schemeClr val="accent1"/>
-          </a:effectRef>
-          <a:fontRef idx="minor">
-            <a:schemeClr val="tx1"/>
-          </a:fontRef>
-        </p:style>
-      </p:cxnSp>
-      <p:cxnSp>
-        <p:nvCxnSpPr>
-          <p:cNvPr id="148" name="Straight Arrow Connector 147">
-            <a:extLst>
-              <a:ext uri="{FF2B5EF4-FFF2-40B4-BE49-F238E27FC236}">
-                <a16:creationId xmlns:a16="http://schemas.microsoft.com/office/drawing/2014/main" id="{E85AC0C2-AFFB-4BF4-9B68-138331A12DA5}"/>
-              </a:ext>
-            </a:extLst>
-          </p:cNvPr>
-          <p:cNvCxnSpPr>
-            <a:cxnSpLocks/>
-            <a:stCxn id="89" idx="2"/>
-            <a:endCxn id="107" idx="0"/>
-          </p:cNvCxnSpPr>
-          <p:nvPr/>
-        </p:nvCxnSpPr>
-        <p:spPr>
-          <a:xfrm>
-            <a:off x="8442416" y="7829087"/>
-            <a:ext cx="1560043" cy="764018"/>
-          </a:xfrm>
-          <a:prstGeom prst="straightConnector1">
-            <a:avLst/>
-          </a:prstGeom>
-          <a:ln w="57150">
-            <a:solidFill>
-              <a:srgbClr val="FF0000"/>
-            </a:solidFill>
-            <a:prstDash val="sysDash"/>
-            <a:headEnd type="none" w="med" len="med"/>
-            <a:tailEnd type="triangle" w="med" len="med"/>
-          </a:ln>
-        </p:spPr>
-        <p:style>
-          <a:lnRef idx="1">
-            <a:schemeClr val="accent1"/>
-          </a:lnRef>
-          <a:fillRef idx="0">
-            <a:schemeClr val="accent1"/>
-          </a:fillRef>
-          <a:effectRef idx="0">
-            <a:schemeClr val="accent1"/>
-          </a:effectRef>
-          <a:fontRef idx="minor">
-            <a:schemeClr val="tx1"/>
-          </a:fontRef>
-        </p:style>
-      </p:cxnSp>
-      <p:cxnSp>
-        <p:nvCxnSpPr>
-          <p:cNvPr id="184" name="Straight Arrow Connector 183">
-            <a:extLst>
-              <a:ext uri="{FF2B5EF4-FFF2-40B4-BE49-F238E27FC236}">
-                <a16:creationId xmlns:a16="http://schemas.microsoft.com/office/drawing/2014/main" id="{0419EA47-50B1-40A5-B825-9078A852F2A8}"/>
-              </a:ext>
-            </a:extLst>
-          </p:cNvPr>
-          <p:cNvCxnSpPr>
-            <a:cxnSpLocks/>
-            <a:stCxn id="90" idx="3"/>
-            <a:endCxn id="7" idx="1"/>
-          </p:cNvCxnSpPr>
-          <p:nvPr/>
-        </p:nvCxnSpPr>
-        <p:spPr>
-          <a:xfrm>
-            <a:off x="5309648" y="1624141"/>
-            <a:ext cx="1869743" cy="357375"/>
-          </a:xfrm>
-          <a:prstGeom prst="straightConnector1">
-            <a:avLst/>
-          </a:prstGeom>
-          <a:ln w="57150">
-            <a:solidFill>
-              <a:srgbClr val="FF0000"/>
-            </a:solidFill>
-            <a:prstDash val="sysDash"/>
-            <a:headEnd type="none" w="med" len="med"/>
-            <a:tailEnd type="triangle" w="med" len="med"/>
-          </a:ln>
-        </p:spPr>
-        <p:style>
-          <a:lnRef idx="1">
-            <a:schemeClr val="accent1"/>
-          </a:lnRef>
-          <a:fillRef idx="0">
-            <a:schemeClr val="accent1"/>
-          </a:fillRef>
-          <a:effectRef idx="0">
-            <a:schemeClr val="accent1"/>
-          </a:effectRef>
-          <a:fontRef idx="minor">
-            <a:schemeClr val="tx1"/>
-          </a:fontRef>
-        </p:style>
-      </p:cxnSp>
-      <p:cxnSp>
-        <p:nvCxnSpPr>
-          <p:cNvPr id="190" name="Straight Arrow Connector 189">
-            <a:extLst>
-              <a:ext uri="{FF2B5EF4-FFF2-40B4-BE49-F238E27FC236}">
-                <a16:creationId xmlns:a16="http://schemas.microsoft.com/office/drawing/2014/main" id="{FD54352E-63F7-4321-BDFF-913D4318F259}"/>
-              </a:ext>
-            </a:extLst>
-          </p:cNvPr>
-          <p:cNvCxnSpPr>
-            <a:cxnSpLocks/>
-            <a:stCxn id="90" idx="2"/>
-            <a:endCxn id="191" idx="0"/>
-          </p:cNvCxnSpPr>
-          <p:nvPr/>
-        </p:nvCxnSpPr>
-        <p:spPr>
           <a:xfrm flipH="1">
-            <a:off x="3953725" y="1931249"/>
-            <a:ext cx="484560" cy="301846"/>
+            <a:off x="10505241" y="4671198"/>
+            <a:ext cx="1337739" cy="1332899"/>
           </a:xfrm>
           <a:prstGeom prst="straightConnector1">
             <a:avLst/>
@@ -4623,10 +4883,10 @@
       </p:cxnSp>
       <p:sp>
         <p:nvSpPr>
-          <p:cNvPr id="191" name="TextBox 190">
-            <a:extLst>
-              <a:ext uri="{FF2B5EF4-FFF2-40B4-BE49-F238E27FC236}">
-                <a16:creationId xmlns:a16="http://schemas.microsoft.com/office/drawing/2014/main" id="{29A43394-EF25-4B74-AF6C-4DC8FEF870D1}"/>
+          <p:cNvPr id="363" name="TextBox 362">
+            <a:extLst>
+              <a:ext uri="{FF2B5EF4-FFF2-40B4-BE49-F238E27FC236}">
+                <a16:creationId xmlns:a16="http://schemas.microsoft.com/office/drawing/2014/main" id="{C95754FB-9331-4F46-BE44-B0B27930317E}"/>
               </a:ext>
             </a:extLst>
           </p:cNvPr>
@@ -4635,91 +4895,8 @@
         </p:nvSpPr>
         <p:spPr>
           <a:xfrm>
-            <a:off x="3082361" y="2233095"/>
-            <a:ext cx="1742727" cy="646331"/>
-          </a:xfrm>
-          <a:prstGeom prst="rect">
-            <a:avLst/>
-          </a:prstGeom>
-          <a:noFill/>
-        </p:spPr>
-        <p:txBody>
-          <a:bodyPr wrap="square" rtlCol="0">
-            <a:spAutoFit/>
-          </a:bodyPr>
-          <a:lstStyle/>
-          <a:p>
-            <a:pPr algn="ctr"/>
-            <a:r>
-              <a:rPr lang="en-US" b="1" dirty="0"/>
-              <a:t>Extraterrestrial environment</a:t>
-            </a:r>
-          </a:p>
-        </p:txBody>
-      </p:sp>
-      <p:cxnSp>
-        <p:nvCxnSpPr>
-          <p:cNvPr id="218" name="Straight Arrow Connector 217">
-            <a:extLst>
-              <a:ext uri="{FF2B5EF4-FFF2-40B4-BE49-F238E27FC236}">
-                <a16:creationId xmlns:a16="http://schemas.microsoft.com/office/drawing/2014/main" id="{A2D0E40A-A478-4942-969C-BE33BEF3F8D5}"/>
-              </a:ext>
-            </a:extLst>
-          </p:cNvPr>
-          <p:cNvCxnSpPr>
-            <a:cxnSpLocks/>
-            <a:stCxn id="108" idx="2"/>
-            <a:endCxn id="235" idx="0"/>
-          </p:cNvCxnSpPr>
-          <p:nvPr/>
-        </p:nvCxnSpPr>
-        <p:spPr>
-          <a:xfrm flipH="1">
-            <a:off x="4816339" y="5530349"/>
-            <a:ext cx="1675830" cy="476604"/>
-          </a:xfrm>
-          <a:prstGeom prst="straightConnector1">
-            <a:avLst/>
-          </a:prstGeom>
-          <a:ln w="57150">
-            <a:solidFill>
-              <a:srgbClr val="00B050"/>
-            </a:solidFill>
-            <a:headEnd type="none" w="med" len="med"/>
-            <a:tailEnd type="triangle" w="med" len="med"/>
-          </a:ln>
-        </p:spPr>
-        <p:style>
-          <a:lnRef idx="1">
-            <a:schemeClr val="accent1"/>
-          </a:lnRef>
-          <a:fillRef idx="0">
-            <a:schemeClr val="accent1"/>
-          </a:fillRef>
-          <a:effectRef idx="0">
-            <a:schemeClr val="accent1"/>
-          </a:effectRef>
-          <a:fontRef idx="minor">
-            <a:schemeClr val="tx1"/>
-          </a:fontRef>
-        </p:style>
-      </p:cxnSp>
-      <p:sp>
-        <p:nvSpPr>
-          <p:cNvPr id="219" name="TextBox 218">
-            <a:extLst>
-              <a:ext uri="{FF2B5EF4-FFF2-40B4-BE49-F238E27FC236}">
-                <a16:creationId xmlns:a16="http://schemas.microsoft.com/office/drawing/2014/main" id="{E0960288-A678-4E5A-82BE-80DDC9EB4041}"/>
-              </a:ext>
-            </a:extLst>
-          </p:cNvPr>
-          <p:cNvSpPr txBox="1"/>
-          <p:nvPr/>
-        </p:nvSpPr>
-        <p:spPr>
-          <a:xfrm>
-            <a:off x="352669" y="7963104"/>
-            <a:ext cx="1540535" cy="646331"/>
+            <a:off x="2016275" y="7960761"/>
+            <a:ext cx="1808190" cy="646331"/>
           </a:xfrm>
           <a:prstGeom prst="rect">
             <a:avLst/>
@@ -4742,31 +4919,31 @@
             <a:pPr algn="ctr"/>
             <a:r>
               <a:rPr lang="en-US" dirty="0"/>
-              <a:t>Marine water body bottom</a:t>
+              <a:t>Lake, river or stream bottom</a:t>
             </a:r>
           </a:p>
         </p:txBody>
       </p:sp>
       <p:cxnSp>
         <p:nvCxnSpPr>
-          <p:cNvPr id="225" name="Straight Arrow Connector 224">
-            <a:extLst>
-              <a:ext uri="{FF2B5EF4-FFF2-40B4-BE49-F238E27FC236}">
-                <a16:creationId xmlns:a16="http://schemas.microsoft.com/office/drawing/2014/main" id="{108A2297-C67D-4242-AE9C-96AA0C745A75}"/>
+          <p:cNvPr id="366" name="Straight Arrow Connector 365">
+            <a:extLst>
+              <a:ext uri="{FF2B5EF4-FFF2-40B4-BE49-F238E27FC236}">
+                <a16:creationId xmlns:a16="http://schemas.microsoft.com/office/drawing/2014/main" id="{FE190588-7D82-4A6E-937D-E8CEFBDBC85B}"/>
               </a:ext>
             </a:extLst>
           </p:cNvPr>
           <p:cNvCxnSpPr>
             <a:cxnSpLocks/>
-            <a:stCxn id="107" idx="2"/>
-            <a:endCxn id="247" idx="0"/>
+            <a:stCxn id="235" idx="2"/>
+            <a:endCxn id="300" idx="0"/>
           </p:cNvCxnSpPr>
           <p:nvPr/>
         </p:nvCxnSpPr>
         <p:spPr>
           <a:xfrm>
-            <a:off x="10002459" y="9102522"/>
-            <a:ext cx="1189651" cy="968966"/>
+            <a:off x="4816339" y="6516370"/>
+            <a:ext cx="482548" cy="1030605"/>
           </a:xfrm>
           <a:prstGeom prst="straightConnector1">
             <a:avLst/>
@@ -4797,10 +4974,10 @@
       </p:cxnSp>
       <p:sp>
         <p:nvSpPr>
-          <p:cNvPr id="235" name="Rectangle 234">
-            <a:extLst>
-              <a:ext uri="{FF2B5EF4-FFF2-40B4-BE49-F238E27FC236}">
-                <a16:creationId xmlns:a16="http://schemas.microsoft.com/office/drawing/2014/main" id="{B9220C1C-5211-42FA-8B03-E1A3D3B52586}"/>
+          <p:cNvPr id="369" name="Rectangle 368">
+            <a:extLst>
+              <a:ext uri="{FF2B5EF4-FFF2-40B4-BE49-F238E27FC236}">
+                <a16:creationId xmlns:a16="http://schemas.microsoft.com/office/drawing/2014/main" id="{B21C1FC8-A5A0-4A0E-8BC9-6DC0B609F1A7}"/>
               </a:ext>
             </a:extLst>
           </p:cNvPr>
@@ -4809,8 +4986,8 @@
         </p:nvSpPr>
         <p:spPr>
           <a:xfrm>
-            <a:off x="4119924" y="6006953"/>
-            <a:ext cx="1392829" cy="509417"/>
+            <a:off x="4419305" y="9648550"/>
+            <a:ext cx="1995936" cy="586234"/>
           </a:xfrm>
           <a:prstGeom prst="rect">
             <a:avLst/>
@@ -4849,111 +5026,17 @@
                   <a:schemeClr val="tx1"/>
                 </a:solidFill>
               </a:rPr>
-              <a:t>Subaqueous Surface</a:t>
-            </a:r>
-          </a:p>
-        </p:txBody>
-      </p:sp>
-      <p:cxnSp>
-        <p:nvCxnSpPr>
-          <p:cNvPr id="238" name="Straight Arrow Connector 237">
-            <a:extLst>
-              <a:ext uri="{FF2B5EF4-FFF2-40B4-BE49-F238E27FC236}">
-                <a16:creationId xmlns:a16="http://schemas.microsoft.com/office/drawing/2014/main" id="{837540BE-4C57-4F47-AD77-F49606E2E9A8}"/>
-              </a:ext>
-            </a:extLst>
-          </p:cNvPr>
-          <p:cNvCxnSpPr>
-            <a:cxnSpLocks/>
-            <a:stCxn id="89" idx="2"/>
-            <a:endCxn id="369" idx="0"/>
-          </p:cNvCxnSpPr>
-          <p:nvPr/>
-        </p:nvCxnSpPr>
-        <p:spPr>
-          <a:xfrm flipH="1">
-            <a:off x="5417273" y="7829087"/>
-            <a:ext cx="3025143" cy="1819463"/>
-          </a:xfrm>
-          <a:prstGeom prst="straightConnector1">
-            <a:avLst/>
-          </a:prstGeom>
-          <a:ln w="57150">
-            <a:solidFill>
-              <a:srgbClr val="00B050"/>
-            </a:solidFill>
-            <a:headEnd type="none" w="med" len="med"/>
-            <a:tailEnd type="triangle" w="med" len="med"/>
-          </a:ln>
-        </p:spPr>
-        <p:style>
-          <a:lnRef idx="1">
-            <a:schemeClr val="accent1"/>
-          </a:lnRef>
-          <a:fillRef idx="0">
-            <a:schemeClr val="accent1"/>
-          </a:fillRef>
-          <a:effectRef idx="0">
-            <a:schemeClr val="accent1"/>
-          </a:effectRef>
-          <a:fontRef idx="minor">
-            <a:schemeClr val="tx1"/>
-          </a:fontRef>
-        </p:style>
-      </p:cxnSp>
-      <p:cxnSp>
-        <p:nvCxnSpPr>
-          <p:cNvPr id="241" name="Straight Arrow Connector 240">
-            <a:extLst>
-              <a:ext uri="{FF2B5EF4-FFF2-40B4-BE49-F238E27FC236}">
-                <a16:creationId xmlns:a16="http://schemas.microsoft.com/office/drawing/2014/main" id="{36837A78-C0BF-48A6-8F41-DD99C3757584}"/>
-              </a:ext>
-            </a:extLst>
-          </p:cNvPr>
-          <p:cNvCxnSpPr>
-            <a:cxnSpLocks/>
-            <a:stCxn id="107" idx="2"/>
-            <a:endCxn id="242" idx="0"/>
-          </p:cNvCxnSpPr>
-          <p:nvPr/>
-        </p:nvCxnSpPr>
-        <p:spPr>
-          <a:xfrm flipH="1">
-            <a:off x="8484828" y="9102522"/>
-            <a:ext cx="1517631" cy="901198"/>
-          </a:xfrm>
-          <a:prstGeom prst="straightConnector1">
-            <a:avLst/>
-          </a:prstGeom>
-          <a:ln w="57150">
-            <a:solidFill>
-              <a:srgbClr val="00B050"/>
-            </a:solidFill>
-            <a:headEnd type="none" w="med" len="med"/>
-            <a:tailEnd type="triangle" w="med" len="med"/>
-          </a:ln>
-        </p:spPr>
-        <p:style>
-          <a:lnRef idx="1">
-            <a:schemeClr val="accent1"/>
-          </a:lnRef>
-          <a:fillRef idx="0">
-            <a:schemeClr val="accent1"/>
-          </a:fillRef>
-          <a:effectRef idx="0">
-            <a:schemeClr val="accent1"/>
-          </a:effectRef>
-          <a:fontRef idx="minor">
-            <a:schemeClr val="tx1"/>
-          </a:fontRef>
-        </p:style>
-      </p:cxnSp>
-      <p:sp>
-        <p:nvSpPr>
-          <p:cNvPr id="242" name="TextBox 241">
-            <a:extLst>
-              <a:ext uri="{FF2B5EF4-FFF2-40B4-BE49-F238E27FC236}">
-                <a16:creationId xmlns:a16="http://schemas.microsoft.com/office/drawing/2014/main" id="{9C026F40-B1E4-474F-A792-8BD2BDCDA574}"/>
+              <a:t>Marine or brackish water body?</a:t>
+            </a:r>
+          </a:p>
+        </p:txBody>
+      </p:sp>
+      <p:sp>
+        <p:nvSpPr>
+          <p:cNvPr id="372" name="TextBox 371">
+            <a:extLst>
+              <a:ext uri="{FF2B5EF4-FFF2-40B4-BE49-F238E27FC236}">
+                <a16:creationId xmlns:a16="http://schemas.microsoft.com/office/drawing/2014/main" id="{B9FAA112-7636-42C3-B565-B03A092234B8}"/>
               </a:ext>
             </a:extLst>
           </p:cNvPr>
@@ -4962,8 +5045,8 @@
         </p:nvSpPr>
         <p:spPr>
           <a:xfrm>
-            <a:off x="7580733" y="10003720"/>
-            <a:ext cx="1808190" cy="646331"/>
+            <a:off x="1676042" y="11772687"/>
+            <a:ext cx="1853040" cy="700448"/>
           </a:xfrm>
           <a:prstGeom prst="rect">
             <a:avLst/>
@@ -4986,149 +5069,31 @@
             <a:pPr algn="ctr"/>
             <a:r>
               <a:rPr lang="en-US" dirty="0"/>
-              <a:t>Subsurface fluid reservoir</a:t>
-            </a:r>
-          </a:p>
-        </p:txBody>
-      </p:sp>
-      <p:sp>
-        <p:nvSpPr>
-          <p:cNvPr id="246" name="Rectangle 245">
-            <a:extLst>
-              <a:ext uri="{FF2B5EF4-FFF2-40B4-BE49-F238E27FC236}">
-                <a16:creationId xmlns:a16="http://schemas.microsoft.com/office/drawing/2014/main" id="{14696843-1A9D-49BF-99EC-DB6D7AA82E80}"/>
-              </a:ext>
-            </a:extLst>
-          </p:cNvPr>
-          <p:cNvSpPr/>
-          <p:nvPr/>
-        </p:nvSpPr>
-        <p:spPr>
-          <a:xfrm>
-            <a:off x="998755" y="6755198"/>
-            <a:ext cx="1995936" cy="586234"/>
-          </a:xfrm>
-          <a:prstGeom prst="rect">
-            <a:avLst/>
-          </a:prstGeom>
-          <a:solidFill>
-            <a:schemeClr val="accent3">
-              <a:lumMod val="40000"/>
-              <a:lumOff val="60000"/>
-            </a:schemeClr>
-          </a:solidFill>
-        </p:spPr>
-        <p:style>
-          <a:lnRef idx="2">
-            <a:schemeClr val="accent1">
-              <a:shade val="50000"/>
-            </a:schemeClr>
-          </a:lnRef>
-          <a:fillRef idx="1">
-            <a:schemeClr val="accent1"/>
-          </a:fillRef>
-          <a:effectRef idx="0">
-            <a:schemeClr val="accent1"/>
-          </a:effectRef>
-          <a:fontRef idx="minor">
-            <a:schemeClr val="lt1"/>
-          </a:fontRef>
-        </p:style>
-        <p:txBody>
-          <a:bodyPr rtlCol="0" anchor="ctr"/>
-          <a:lstStyle/>
-          <a:p>
-            <a:pPr algn="ctr"/>
-            <a:r>
-              <a:rPr lang="en-US" dirty="0">
-                <a:solidFill>
-                  <a:schemeClr val="tx1"/>
-                </a:solidFill>
-              </a:rPr>
-              <a:t>Marine or Brackish Water Body?</a:t>
-            </a:r>
-          </a:p>
-        </p:txBody>
-      </p:sp>
-      <p:sp>
-        <p:nvSpPr>
-          <p:cNvPr id="247" name="Rectangle 246">
-            <a:extLst>
-              <a:ext uri="{FF2B5EF4-FFF2-40B4-BE49-F238E27FC236}">
-                <a16:creationId xmlns:a16="http://schemas.microsoft.com/office/drawing/2014/main" id="{F543492A-F06A-4B5D-8A94-F3F8D94DC171}"/>
-              </a:ext>
-            </a:extLst>
-          </p:cNvPr>
-          <p:cNvSpPr/>
-          <p:nvPr/>
-        </p:nvSpPr>
-        <p:spPr>
-          <a:xfrm>
-            <a:off x="10485919" y="10071488"/>
-            <a:ext cx="1412382" cy="509417"/>
-          </a:xfrm>
-          <a:prstGeom prst="rect">
-            <a:avLst/>
-          </a:prstGeom>
-          <a:solidFill>
-            <a:schemeClr val="accent3">
-              <a:lumMod val="40000"/>
-              <a:lumOff val="60000"/>
-            </a:schemeClr>
-          </a:solidFill>
-        </p:spPr>
-        <p:style>
-          <a:lnRef idx="2">
-            <a:schemeClr val="accent1">
-              <a:shade val="50000"/>
-            </a:schemeClr>
-          </a:lnRef>
-          <a:fillRef idx="1">
-            <a:schemeClr val="accent1"/>
-          </a:fillRef>
-          <a:effectRef idx="0">
-            <a:schemeClr val="accent1"/>
-          </a:effectRef>
-          <a:fontRef idx="minor">
-            <a:schemeClr val="lt1"/>
-          </a:fontRef>
-        </p:style>
-        <p:txBody>
-          <a:bodyPr rtlCol="0" anchor="ctr"/>
-          <a:lstStyle/>
-          <a:p>
-            <a:pPr algn="ctr"/>
-            <a:r>
-              <a:rPr lang="en-US" dirty="0">
-                <a:solidFill>
-                  <a:schemeClr val="tx1"/>
-                </a:solidFill>
-              </a:rPr>
-              <a:t>Earth Interior</a:t>
+              <a:t>Marine water body</a:t>
             </a:r>
           </a:p>
         </p:txBody>
       </p:sp>
       <p:cxnSp>
         <p:nvCxnSpPr>
-          <p:cNvPr id="251" name="Straight Arrow Connector 250">
-            <a:extLst>
-              <a:ext uri="{FF2B5EF4-FFF2-40B4-BE49-F238E27FC236}">
-                <a16:creationId xmlns:a16="http://schemas.microsoft.com/office/drawing/2014/main" id="{228FF793-0B4D-4554-B573-E4744A6B1D45}"/>
+          <p:cNvPr id="373" name="Straight Arrow Connector 372">
+            <a:extLst>
+              <a:ext uri="{FF2B5EF4-FFF2-40B4-BE49-F238E27FC236}">
+                <a16:creationId xmlns:a16="http://schemas.microsoft.com/office/drawing/2014/main" id="{B8C48BD9-0B97-460D-9ADC-ED5D859602BC}"/>
               </a:ext>
             </a:extLst>
           </p:cNvPr>
           <p:cNvCxnSpPr>
             <a:cxnSpLocks/>
-            <a:stCxn id="246" idx="2"/>
-            <a:endCxn id="363" idx="0"/>
+            <a:stCxn id="369" idx="2"/>
+            <a:endCxn id="375" idx="0"/>
           </p:cNvCxnSpPr>
           <p:nvPr/>
         </p:nvCxnSpPr>
         <p:spPr>
           <a:xfrm>
-            <a:off x="1996723" y="7341432"/>
-            <a:ext cx="923647" cy="619329"/>
+            <a:off x="5417273" y="10234784"/>
+            <a:ext cx="405802" cy="1427323"/>
           </a:xfrm>
           <a:prstGeom prst="straightConnector1">
             <a:avLst/>
@@ -5159,24 +5124,24 @@
       </p:cxnSp>
       <p:cxnSp>
         <p:nvCxnSpPr>
-          <p:cNvPr id="262" name="Straight Arrow Connector 261">
-            <a:extLst>
-              <a:ext uri="{FF2B5EF4-FFF2-40B4-BE49-F238E27FC236}">
-                <a16:creationId xmlns:a16="http://schemas.microsoft.com/office/drawing/2014/main" id="{407BAD10-24B5-42E4-B150-E2D8CEEE76C7}"/>
+          <p:cNvPr id="374" name="Straight Arrow Connector 373">
+            <a:extLst>
+              <a:ext uri="{FF2B5EF4-FFF2-40B4-BE49-F238E27FC236}">
+                <a16:creationId xmlns:a16="http://schemas.microsoft.com/office/drawing/2014/main" id="{CA4201DD-EAEC-44C9-9B2B-969D8F63DCFC}"/>
               </a:ext>
             </a:extLst>
           </p:cNvPr>
           <p:cNvCxnSpPr>
             <a:cxnSpLocks/>
-            <a:stCxn id="246" idx="2"/>
-            <a:endCxn id="219" idx="0"/>
+            <a:stCxn id="369" idx="2"/>
+            <a:endCxn id="372" idx="0"/>
           </p:cNvCxnSpPr>
           <p:nvPr/>
         </p:nvCxnSpPr>
         <p:spPr>
           <a:xfrm flipH="1">
-            <a:off x="1122937" y="7341432"/>
-            <a:ext cx="873786" cy="621672"/>
+            <a:off x="2602562" y="10234784"/>
+            <a:ext cx="2814711" cy="1537903"/>
           </a:xfrm>
           <a:prstGeom prst="straightConnector1">
             <a:avLst/>
@@ -5204,59 +5169,12 @@
           </a:fontRef>
         </p:style>
       </p:cxnSp>
-      <p:cxnSp>
-        <p:nvCxnSpPr>
-          <p:cNvPr id="294" name="Straight Arrow Connector 293">
-            <a:extLst>
-              <a:ext uri="{FF2B5EF4-FFF2-40B4-BE49-F238E27FC236}">
-                <a16:creationId xmlns:a16="http://schemas.microsoft.com/office/drawing/2014/main" id="{5B841477-B4CB-4B92-8339-228C39B61FCD}"/>
-              </a:ext>
-            </a:extLst>
-          </p:cNvPr>
-          <p:cNvCxnSpPr>
-            <a:cxnSpLocks/>
-            <a:stCxn id="235" idx="1"/>
-            <a:endCxn id="246" idx="3"/>
-          </p:cNvCxnSpPr>
-          <p:nvPr/>
-        </p:nvCxnSpPr>
-        <p:spPr>
-          <a:xfrm flipH="1">
-            <a:off x="2994691" y="6261662"/>
-            <a:ext cx="1125233" cy="786653"/>
-          </a:xfrm>
-          <a:prstGeom prst="straightConnector1">
-            <a:avLst/>
-          </a:prstGeom>
-          <a:ln w="57150">
-            <a:solidFill>
-              <a:srgbClr val="00B050"/>
-            </a:solidFill>
-            <a:headEnd type="none" w="med" len="med"/>
-            <a:tailEnd type="triangle" w="med" len="med"/>
-          </a:ln>
-        </p:spPr>
-        <p:style>
-          <a:lnRef idx="1">
-            <a:schemeClr val="accent1"/>
-          </a:lnRef>
-          <a:fillRef idx="0">
-            <a:schemeClr val="accent1"/>
-          </a:fillRef>
-          <a:effectRef idx="0">
-            <a:schemeClr val="accent1"/>
-          </a:effectRef>
-          <a:fontRef idx="minor">
-            <a:schemeClr val="tx1"/>
-          </a:fontRef>
-        </p:style>
-      </p:cxnSp>
-      <p:sp>
-        <p:nvSpPr>
-          <p:cNvPr id="300" name="TextBox 299">
-            <a:extLst>
-              <a:ext uri="{FF2B5EF4-FFF2-40B4-BE49-F238E27FC236}">
-                <a16:creationId xmlns:a16="http://schemas.microsoft.com/office/drawing/2014/main" id="{84EE1179-8471-4913-947A-C31F907EE28C}"/>
+      <p:sp>
+        <p:nvSpPr>
+          <p:cNvPr id="375" name="TextBox 374">
+            <a:extLst>
+              <a:ext uri="{FF2B5EF4-FFF2-40B4-BE49-F238E27FC236}">
+                <a16:creationId xmlns:a16="http://schemas.microsoft.com/office/drawing/2014/main" id="{FF684945-91FD-40FE-A543-87E076460635}"/>
               </a:ext>
             </a:extLst>
           </p:cNvPr>
@@ -5265,8 +5183,8 @@
         </p:nvSpPr>
         <p:spPr>
           <a:xfrm>
-            <a:off x="4323689" y="7546975"/>
-            <a:ext cx="1950396" cy="646331"/>
+            <a:off x="5187634" y="11662107"/>
+            <a:ext cx="1270882" cy="646331"/>
           </a:xfrm>
           <a:prstGeom prst="rect">
             <a:avLst/>
@@ -5289,76 +5207,17 @@
             <a:pPr algn="ctr"/>
             <a:r>
               <a:rPr lang="en-US" dirty="0"/>
-              <a:t>Subaerial surface environment</a:t>
-            </a:r>
-          </a:p>
-        </p:txBody>
-      </p:sp>
-      <p:sp>
-        <p:nvSpPr>
-          <p:cNvPr id="333" name="Rectangle 332">
-            <a:extLst>
-              <a:ext uri="{FF2B5EF4-FFF2-40B4-BE49-F238E27FC236}">
-                <a16:creationId xmlns:a16="http://schemas.microsoft.com/office/drawing/2014/main" id="{35BEA28A-D9D9-476F-86C8-14833C9144CD}"/>
-              </a:ext>
-            </a:extLst>
-          </p:cNvPr>
-          <p:cNvSpPr/>
-          <p:nvPr/>
-        </p:nvSpPr>
-        <p:spPr>
-          <a:xfrm>
-            <a:off x="10851467" y="4118935"/>
-            <a:ext cx="1983026" cy="552263"/>
-          </a:xfrm>
-          <a:prstGeom prst="rect">
-            <a:avLst/>
-          </a:prstGeom>
-          <a:solidFill>
-            <a:schemeClr val="accent3">
-              <a:lumMod val="40000"/>
-              <a:lumOff val="60000"/>
-            </a:schemeClr>
-          </a:solidFill>
-        </p:spPr>
-        <p:style>
-          <a:lnRef idx="2">
-            <a:schemeClr val="accent1">
-              <a:shade val="50000"/>
-            </a:schemeClr>
-          </a:lnRef>
-          <a:fillRef idx="1">
-            <a:schemeClr val="accent1"/>
-          </a:fillRef>
-          <a:effectRef idx="0">
-            <a:schemeClr val="accent1"/>
-          </a:effectRef>
-          <a:fontRef idx="minor">
-            <a:schemeClr val="lt1"/>
-          </a:fontRef>
-        </p:style>
-        <p:txBody>
-          <a:bodyPr rtlCol="0" anchor="ctr"/>
-          <a:lstStyle/>
-          <a:p>
-            <a:pPr algn="ctr"/>
-            <a:r>
-              <a:rPr lang="en-US" dirty="0">
-                <a:solidFill>
-                  <a:schemeClr val="tx1"/>
-                </a:solidFill>
-              </a:rPr>
-              <a:t>Currently occupied by humans</a:t>
-            </a:r>
-          </a:p>
-        </p:txBody>
-      </p:sp>
-      <p:sp>
-        <p:nvSpPr>
-          <p:cNvPr id="337" name="TextBox 336">
-            <a:extLst>
-              <a:ext uri="{FF2B5EF4-FFF2-40B4-BE49-F238E27FC236}">
-                <a16:creationId xmlns:a16="http://schemas.microsoft.com/office/drawing/2014/main" id="{A5269323-C40F-42BB-8FA5-0E03DC4AEAF1}"/>
+              <a:t>Terrestrial water body</a:t>
+            </a:r>
+          </a:p>
+        </p:txBody>
+      </p:sp>
+      <p:sp>
+        <p:nvSpPr>
+          <p:cNvPr id="389" name="TextBox 388">
+            <a:extLst>
+              <a:ext uri="{FF2B5EF4-FFF2-40B4-BE49-F238E27FC236}">
+                <a16:creationId xmlns:a16="http://schemas.microsoft.com/office/drawing/2014/main" id="{0A0F5812-0A3F-40D0-A8EB-3A0B44C14161}"/>
               </a:ext>
             </a:extLst>
           </p:cNvPr>
@@ -5367,8 +5226,8 @@
         </p:nvSpPr>
         <p:spPr>
           <a:xfrm>
-            <a:off x="11722763" y="5978480"/>
-            <a:ext cx="1712414" cy="646331"/>
+            <a:off x="11413801" y="11550108"/>
+            <a:ext cx="1655303" cy="700448"/>
           </a:xfrm>
           <a:prstGeom prst="rect">
             <a:avLst/>
@@ -5384,67 +5243,79 @@
             <a:pPr algn="ctr"/>
             <a:r>
               <a:rPr lang="en-US" b="1" dirty="0"/>
-              <a:t>Historic human occupation site</a:t>
-            </a:r>
-          </a:p>
-        </p:txBody>
-      </p:sp>
-      <p:sp>
-        <p:nvSpPr>
-          <p:cNvPr id="342" name="TextBox 341">
-            <a:extLst>
-              <a:ext uri="{FF2B5EF4-FFF2-40B4-BE49-F238E27FC236}">
-                <a16:creationId xmlns:a16="http://schemas.microsoft.com/office/drawing/2014/main" id="{CAF7B8F2-9DD2-45B8-A5BB-9A66521B9682}"/>
-              </a:ext>
-            </a:extLst>
-          </p:cNvPr>
-          <p:cNvSpPr txBox="1"/>
-          <p:nvPr/>
-        </p:nvSpPr>
-        <p:spPr>
-          <a:xfrm>
-            <a:off x="9676453" y="6004097"/>
-            <a:ext cx="1657575" cy="646331"/>
-          </a:xfrm>
-          <a:prstGeom prst="rect">
-            <a:avLst/>
-          </a:prstGeom>
-          <a:noFill/>
-        </p:spPr>
-        <p:txBody>
-          <a:bodyPr wrap="square" rtlCol="0">
-            <a:spAutoFit/>
-          </a:bodyPr>
-          <a:lstStyle/>
-          <a:p>
-            <a:pPr algn="ctr"/>
-            <a:r>
-              <a:rPr lang="en-US" b="1" dirty="0"/>
-              <a:t>Active human occupation site</a:t>
+              <a:t>Suggest new category</a:t>
             </a:r>
           </a:p>
         </p:txBody>
       </p:sp>
       <p:cxnSp>
         <p:nvCxnSpPr>
-          <p:cNvPr id="343" name="Straight Arrow Connector 342">
-            <a:extLst>
-              <a:ext uri="{FF2B5EF4-FFF2-40B4-BE49-F238E27FC236}">
-                <a16:creationId xmlns:a16="http://schemas.microsoft.com/office/drawing/2014/main" id="{CC611C46-9176-4255-9B2E-1DBDAA7C41F6}"/>
+          <p:cNvPr id="399" name="Straight Arrow Connector 398">
+            <a:extLst>
+              <a:ext uri="{FF2B5EF4-FFF2-40B4-BE49-F238E27FC236}">
+                <a16:creationId xmlns:a16="http://schemas.microsoft.com/office/drawing/2014/main" id="{56FC691B-72B9-4CCA-8E51-1A78BECC7963}"/>
               </a:ext>
             </a:extLst>
           </p:cNvPr>
           <p:cNvCxnSpPr>
             <a:cxnSpLocks/>
-            <a:stCxn id="333" idx="2"/>
-            <a:endCxn id="342" idx="0"/>
+            <a:stCxn id="247" idx="2"/>
+            <a:endCxn id="389" idx="0"/>
           </p:cNvCxnSpPr>
           <p:nvPr/>
         </p:nvCxnSpPr>
         <p:spPr>
+          <a:xfrm>
+            <a:off x="11192110" y="10580905"/>
+            <a:ext cx="1049343" cy="969203"/>
+          </a:xfrm>
+          <a:prstGeom prst="straightConnector1">
+            <a:avLst/>
+          </a:prstGeom>
+          <a:ln w="57150">
+            <a:solidFill>
+              <a:srgbClr val="FF0000"/>
+            </a:solidFill>
+            <a:prstDash val="sysDash"/>
+            <a:headEnd type="none" w="med" len="med"/>
+            <a:tailEnd type="triangle" w="med" len="med"/>
+          </a:ln>
+        </p:spPr>
+        <p:style>
+          <a:lnRef idx="1">
+            <a:schemeClr val="accent1"/>
+          </a:lnRef>
+          <a:fillRef idx="0">
+            <a:schemeClr val="accent1"/>
+          </a:fillRef>
+          <a:effectRef idx="0">
+            <a:schemeClr val="accent1"/>
+          </a:effectRef>
+          <a:fontRef idx="minor">
+            <a:schemeClr val="tx1"/>
+          </a:fontRef>
+        </p:style>
+      </p:cxnSp>
+      <p:cxnSp>
+        <p:nvCxnSpPr>
+          <p:cNvPr id="412" name="Straight Arrow Connector 411">
+            <a:extLst>
+              <a:ext uri="{FF2B5EF4-FFF2-40B4-BE49-F238E27FC236}">
+                <a16:creationId xmlns:a16="http://schemas.microsoft.com/office/drawing/2014/main" id="{AE19FBDB-AC6B-4B87-B238-B836BB4CE1DF}"/>
+              </a:ext>
+            </a:extLst>
+          </p:cNvPr>
+          <p:cNvCxnSpPr>
+            <a:cxnSpLocks/>
+            <a:stCxn id="247" idx="2"/>
+            <a:endCxn id="413" idx="3"/>
+          </p:cNvCxnSpPr>
+          <p:nvPr/>
+        </p:nvCxnSpPr>
+        <p:spPr>
           <a:xfrm flipH="1">
-            <a:off x="10505241" y="4671198"/>
-            <a:ext cx="1337739" cy="1332899"/>
+            <a:off x="10718638" y="10580905"/>
+            <a:ext cx="473472" cy="1176019"/>
           </a:xfrm>
           <a:prstGeom prst="straightConnector1">
             <a:avLst/>
@@ -5474,10 +5345,10 @@
       </p:cxnSp>
       <p:sp>
         <p:nvSpPr>
-          <p:cNvPr id="363" name="TextBox 362">
-            <a:extLst>
-              <a:ext uri="{FF2B5EF4-FFF2-40B4-BE49-F238E27FC236}">
-                <a16:creationId xmlns:a16="http://schemas.microsoft.com/office/drawing/2014/main" id="{C95754FB-9331-4F46-BE44-B0B27930317E}"/>
+          <p:cNvPr id="413" name="TextBox 412">
+            <a:extLst>
+              <a:ext uri="{FF2B5EF4-FFF2-40B4-BE49-F238E27FC236}">
+                <a16:creationId xmlns:a16="http://schemas.microsoft.com/office/drawing/2014/main" id="{08CB29D6-E4A8-404A-B986-58E6AB103DF6}"/>
               </a:ext>
             </a:extLst>
           </p:cNvPr>
@@ -5486,8 +5357,8 @@
         </p:nvSpPr>
         <p:spPr>
           <a:xfrm>
-            <a:off x="2016275" y="7960761"/>
-            <a:ext cx="1808190" cy="646331"/>
+            <a:off x="9225303" y="11572258"/>
+            <a:ext cx="1493335" cy="369332"/>
           </a:xfrm>
           <a:prstGeom prst="rect">
             <a:avLst/>
@@ -5510,31 +5381,99 @@
             <a:pPr algn="ctr"/>
             <a:r>
               <a:rPr lang="en-US" dirty="0"/>
-              <a:t>Lake, river or stream bottom</a:t>
+              <a:t>Earth interior</a:t>
+            </a:r>
+          </a:p>
+        </p:txBody>
+      </p:sp>
+      <p:sp>
+        <p:nvSpPr>
+          <p:cNvPr id="163" name="TextBox 162">
+            <a:extLst>
+              <a:ext uri="{FF2B5EF4-FFF2-40B4-BE49-F238E27FC236}">
+                <a16:creationId xmlns:a16="http://schemas.microsoft.com/office/drawing/2014/main" id="{D8F23CEE-6CA3-4233-8566-967A02FCB49F}"/>
+              </a:ext>
+            </a:extLst>
+          </p:cNvPr>
+          <p:cNvSpPr txBox="1"/>
+          <p:nvPr/>
+        </p:nvSpPr>
+        <p:spPr>
+          <a:xfrm>
+            <a:off x="9225256" y="5595645"/>
+            <a:ext cx="872510" cy="246221"/>
+          </a:xfrm>
+          <a:prstGeom prst="rect">
+            <a:avLst/>
+          </a:prstGeom>
+          <a:noFill/>
+        </p:spPr>
+        <p:txBody>
+          <a:bodyPr wrap="square" rtlCol="0">
+            <a:spAutoFit/>
+          </a:bodyPr>
+          <a:lstStyle/>
+          <a:p>
+            <a:r>
+              <a:rPr lang="en-US" sz="1000" dirty="0"/>
+              <a:t>e.g. lab blank</a:t>
+            </a:r>
+          </a:p>
+        </p:txBody>
+      </p:sp>
+      <p:sp>
+        <p:nvSpPr>
+          <p:cNvPr id="164" name="TextBox 163">
+            <a:extLst>
+              <a:ext uri="{FF2B5EF4-FFF2-40B4-BE49-F238E27FC236}">
+                <a16:creationId xmlns:a16="http://schemas.microsoft.com/office/drawing/2014/main" id="{0B256ED8-A8FF-4548-8844-B0F58A4DB5DC}"/>
+              </a:ext>
+            </a:extLst>
+          </p:cNvPr>
+          <p:cNvSpPr txBox="1"/>
+          <p:nvPr/>
+        </p:nvSpPr>
+        <p:spPr>
+          <a:xfrm>
+            <a:off x="1824040" y="5861437"/>
+            <a:ext cx="2422255" cy="707886"/>
+          </a:xfrm>
+          <a:prstGeom prst="rect">
+            <a:avLst/>
+          </a:prstGeom>
+          <a:noFill/>
+        </p:spPr>
+        <p:txBody>
+          <a:bodyPr wrap="square" rtlCol="0">
+            <a:spAutoFit/>
+          </a:bodyPr>
+          <a:lstStyle/>
+          <a:p>
+            <a:r>
+              <a:rPr lang="en-US" sz="1000" dirty="0"/>
+              <a:t>Samples things at boundary between solid earth and hydrosphere or atmosphere; Includes samples representing things collected on the surface.</a:t>
             </a:r>
           </a:p>
         </p:txBody>
       </p:sp>
       <p:cxnSp>
         <p:nvCxnSpPr>
-          <p:cNvPr id="366" name="Straight Arrow Connector 365">
-            <a:extLst>
-              <a:ext uri="{FF2B5EF4-FFF2-40B4-BE49-F238E27FC236}">
-                <a16:creationId xmlns:a16="http://schemas.microsoft.com/office/drawing/2014/main" id="{FE190588-7D82-4A6E-937D-E8CEFBDBC85B}"/>
+          <p:cNvPr id="171" name="Straight Arrow Connector 170">
+            <a:extLst>
+              <a:ext uri="{FF2B5EF4-FFF2-40B4-BE49-F238E27FC236}">
+                <a16:creationId xmlns:a16="http://schemas.microsoft.com/office/drawing/2014/main" id="{9BB8D59A-2105-4E9D-A8C2-2806419B033B}"/>
               </a:ext>
             </a:extLst>
           </p:cNvPr>
           <p:cNvCxnSpPr>
             <a:cxnSpLocks/>
-            <a:stCxn id="235" idx="2"/>
-            <a:endCxn id="300" idx="0"/>
           </p:cNvCxnSpPr>
           <p:nvPr/>
         </p:nvCxnSpPr>
         <p:spPr>
           <a:xfrm>
-            <a:off x="4816339" y="6516370"/>
-            <a:ext cx="482548" cy="1030605"/>
+            <a:off x="10485919" y="1255034"/>
+            <a:ext cx="1146886" cy="31850"/>
           </a:xfrm>
           <a:prstGeom prst="straightConnector1">
             <a:avLst/>
@@ -5563,71 +5502,57 @@
           </a:fontRef>
         </p:style>
       </p:cxnSp>
-      <p:sp>
-        <p:nvSpPr>
-          <p:cNvPr id="369" name="Rectangle 368">
-            <a:extLst>
-              <a:ext uri="{FF2B5EF4-FFF2-40B4-BE49-F238E27FC236}">
-                <a16:creationId xmlns:a16="http://schemas.microsoft.com/office/drawing/2014/main" id="{B21C1FC8-A5A0-4A0E-8BC9-6DC0B609F1A7}"/>
-              </a:ext>
-            </a:extLst>
-          </p:cNvPr>
-          <p:cNvSpPr/>
-          <p:nvPr/>
-        </p:nvSpPr>
-        <p:spPr>
-          <a:xfrm>
-            <a:off x="4419305" y="9648550"/>
-            <a:ext cx="1995936" cy="586234"/>
-          </a:xfrm>
-          <a:prstGeom prst="rect">
-            <a:avLst/>
-          </a:prstGeom>
-          <a:solidFill>
-            <a:schemeClr val="accent3">
-              <a:lumMod val="40000"/>
-              <a:lumOff val="60000"/>
-            </a:schemeClr>
-          </a:solidFill>
+      <p:cxnSp>
+        <p:nvCxnSpPr>
+          <p:cNvPr id="172" name="Straight Arrow Connector 171">
+            <a:extLst>
+              <a:ext uri="{FF2B5EF4-FFF2-40B4-BE49-F238E27FC236}">
+                <a16:creationId xmlns:a16="http://schemas.microsoft.com/office/drawing/2014/main" id="{1920BAA1-EDC4-4814-B235-5E1D8739CAC3}"/>
+              </a:ext>
+            </a:extLst>
+          </p:cNvPr>
+          <p:cNvCxnSpPr>
+            <a:cxnSpLocks/>
+          </p:cNvCxnSpPr>
+          <p:nvPr/>
+        </p:nvCxnSpPr>
+        <p:spPr>
+          <a:xfrm>
+            <a:off x="10628913" y="809294"/>
+            <a:ext cx="860899" cy="5799"/>
+          </a:xfrm>
+          <a:prstGeom prst="straightConnector1">
+            <a:avLst/>
+          </a:prstGeom>
+          <a:ln w="57150">
+            <a:solidFill>
+              <a:srgbClr val="00B050"/>
+            </a:solidFill>
+            <a:headEnd type="none" w="med" len="med"/>
+            <a:tailEnd type="triangle" w="med" len="med"/>
+          </a:ln>
         </p:spPr>
         <p:style>
-          <a:lnRef idx="2">
-            <a:schemeClr val="accent1">
-              <a:shade val="50000"/>
-            </a:schemeClr>
+          <a:lnRef idx="1">
+            <a:schemeClr val="accent1"/>
           </a:lnRef>
-          <a:fillRef idx="1">
+          <a:fillRef idx="0">
             <a:schemeClr val="accent1"/>
           </a:fillRef>
           <a:effectRef idx="0">
             <a:schemeClr val="accent1"/>
           </a:effectRef>
           <a:fontRef idx="minor">
-            <a:schemeClr val="lt1"/>
+            <a:schemeClr val="tx1"/>
           </a:fontRef>
         </p:style>
-        <p:txBody>
-          <a:bodyPr rtlCol="0" anchor="ctr"/>
-          <a:lstStyle/>
-          <a:p>
-            <a:pPr algn="ctr"/>
-            <a:r>
-              <a:rPr lang="en-US" dirty="0">
-                <a:solidFill>
-                  <a:schemeClr val="tx1"/>
-                </a:solidFill>
-              </a:rPr>
-              <a:t>Marine or Brackish Water Body?</a:t>
-            </a:r>
-          </a:p>
-        </p:txBody>
-      </p:sp>
-      <p:sp>
-        <p:nvSpPr>
-          <p:cNvPr id="372" name="TextBox 371">
-            <a:extLst>
-              <a:ext uri="{FF2B5EF4-FFF2-40B4-BE49-F238E27FC236}">
-                <a16:creationId xmlns:a16="http://schemas.microsoft.com/office/drawing/2014/main" id="{B9FAA112-7636-42C3-B565-B03A092234B8}"/>
+      </p:cxnSp>
+      <p:sp>
+        <p:nvSpPr>
+          <p:cNvPr id="173" name="TextBox 172">
+            <a:extLst>
+              <a:ext uri="{FF2B5EF4-FFF2-40B4-BE49-F238E27FC236}">
+                <a16:creationId xmlns:a16="http://schemas.microsoft.com/office/drawing/2014/main" id="{16761AB4-3E83-4D96-84F1-CA3348A34CCE}"/>
               </a:ext>
             </a:extLst>
           </p:cNvPr>
@@ -5636,8 +5561,78 @@
         </p:nvSpPr>
         <p:spPr>
           <a:xfrm>
-            <a:off x="1676042" y="11772687"/>
-            <a:ext cx="1853040" cy="700448"/>
+            <a:off x="10753794" y="389318"/>
+            <a:ext cx="485518" cy="369332"/>
+          </a:xfrm>
+          <a:prstGeom prst="rect">
+            <a:avLst/>
+          </a:prstGeom>
+          <a:noFill/>
+        </p:spPr>
+        <p:txBody>
+          <a:bodyPr wrap="none" rtlCol="0">
+            <a:spAutoFit/>
+          </a:bodyPr>
+          <a:lstStyle/>
+          <a:p>
+            <a:r>
+              <a:rPr lang="en-US" dirty="0"/>
+              <a:t>Yes</a:t>
+            </a:r>
+          </a:p>
+        </p:txBody>
+      </p:sp>
+      <p:sp>
+        <p:nvSpPr>
+          <p:cNvPr id="174" name="TextBox 173">
+            <a:extLst>
+              <a:ext uri="{FF2B5EF4-FFF2-40B4-BE49-F238E27FC236}">
+                <a16:creationId xmlns:a16="http://schemas.microsoft.com/office/drawing/2014/main" id="{062291C5-D7E0-4A8A-BCEE-73262ED8E08E}"/>
+              </a:ext>
+            </a:extLst>
+          </p:cNvPr>
+          <p:cNvSpPr txBox="1"/>
+          <p:nvPr/>
+        </p:nvSpPr>
+        <p:spPr>
+          <a:xfrm>
+            <a:off x="10816602" y="935947"/>
+            <a:ext cx="455574" cy="369332"/>
+          </a:xfrm>
+          <a:prstGeom prst="rect">
+            <a:avLst/>
+          </a:prstGeom>
+          <a:noFill/>
+        </p:spPr>
+        <p:txBody>
+          <a:bodyPr wrap="none" rtlCol="0">
+            <a:spAutoFit/>
+          </a:bodyPr>
+          <a:lstStyle/>
+          <a:p>
+            <a:r>
+              <a:rPr lang="en-US" dirty="0"/>
+              <a:t>No</a:t>
+            </a:r>
+          </a:p>
+        </p:txBody>
+      </p:sp>
+      <p:sp>
+        <p:nvSpPr>
+          <p:cNvPr id="175" name="TextBox 174">
+            <a:extLst>
+              <a:ext uri="{FF2B5EF4-FFF2-40B4-BE49-F238E27FC236}">
+                <a16:creationId xmlns:a16="http://schemas.microsoft.com/office/drawing/2014/main" id="{B52815EC-CDD3-4765-B490-DAAF34889EAF}"/>
+              </a:ext>
+            </a:extLst>
+          </p:cNvPr>
+          <p:cNvSpPr txBox="1"/>
+          <p:nvPr/>
+        </p:nvSpPr>
+        <p:spPr>
+          <a:xfrm>
+            <a:off x="-370018" y="13121043"/>
+            <a:ext cx="11538715" cy="646331"/>
           </a:xfrm>
           <a:prstGeom prst="rect">
             <a:avLst/>
@@ -5659,598 +5654,8 @@
           <a:p>
             <a:pPr algn="ctr"/>
             <a:r>
-              <a:rPr lang="en-US" dirty="0"/>
-              <a:t>Marine water body</a:t>
-            </a:r>
-          </a:p>
-        </p:txBody>
-      </p:sp>
-      <p:cxnSp>
-        <p:nvCxnSpPr>
-          <p:cNvPr id="373" name="Straight Arrow Connector 372">
-            <a:extLst>
-              <a:ext uri="{FF2B5EF4-FFF2-40B4-BE49-F238E27FC236}">
-                <a16:creationId xmlns:a16="http://schemas.microsoft.com/office/drawing/2014/main" id="{B8C48BD9-0B97-460D-9ADC-ED5D859602BC}"/>
-              </a:ext>
-            </a:extLst>
-          </p:cNvPr>
-          <p:cNvCxnSpPr>
-            <a:cxnSpLocks/>
-            <a:stCxn id="369" idx="2"/>
-            <a:endCxn id="375" idx="0"/>
-          </p:cNvCxnSpPr>
-          <p:nvPr/>
-        </p:nvCxnSpPr>
-        <p:spPr>
-          <a:xfrm>
-            <a:off x="5417273" y="10234784"/>
-            <a:ext cx="405802" cy="1427323"/>
-          </a:xfrm>
-          <a:prstGeom prst="straightConnector1">
-            <a:avLst/>
-          </a:prstGeom>
-          <a:ln w="57150">
-            <a:solidFill>
-              <a:srgbClr val="FF0000"/>
-            </a:solidFill>
-            <a:prstDash val="sysDash"/>
-            <a:headEnd type="none" w="med" len="med"/>
-            <a:tailEnd type="triangle" w="med" len="med"/>
-          </a:ln>
-        </p:spPr>
-        <p:style>
-          <a:lnRef idx="1">
-            <a:schemeClr val="accent1"/>
-          </a:lnRef>
-          <a:fillRef idx="0">
-            <a:schemeClr val="accent1"/>
-          </a:fillRef>
-          <a:effectRef idx="0">
-            <a:schemeClr val="accent1"/>
-          </a:effectRef>
-          <a:fontRef idx="minor">
-            <a:schemeClr val="tx1"/>
-          </a:fontRef>
-        </p:style>
-      </p:cxnSp>
-      <p:cxnSp>
-        <p:nvCxnSpPr>
-          <p:cNvPr id="374" name="Straight Arrow Connector 373">
-            <a:extLst>
-              <a:ext uri="{FF2B5EF4-FFF2-40B4-BE49-F238E27FC236}">
-                <a16:creationId xmlns:a16="http://schemas.microsoft.com/office/drawing/2014/main" id="{CA4201DD-EAEC-44C9-9B2B-969D8F63DCFC}"/>
-              </a:ext>
-            </a:extLst>
-          </p:cNvPr>
-          <p:cNvCxnSpPr>
-            <a:cxnSpLocks/>
-            <a:stCxn id="369" idx="2"/>
-            <a:endCxn id="372" idx="0"/>
-          </p:cNvCxnSpPr>
-          <p:nvPr/>
-        </p:nvCxnSpPr>
-        <p:spPr>
-          <a:xfrm flipH="1">
-            <a:off x="2602562" y="10234784"/>
-            <a:ext cx="2814711" cy="1537903"/>
-          </a:xfrm>
-          <a:prstGeom prst="straightConnector1">
-            <a:avLst/>
-          </a:prstGeom>
-          <a:ln w="57150">
-            <a:solidFill>
-              <a:srgbClr val="00B050"/>
-            </a:solidFill>
-            <a:headEnd type="none" w="med" len="med"/>
-            <a:tailEnd type="triangle" w="med" len="med"/>
-          </a:ln>
-        </p:spPr>
-        <p:style>
-          <a:lnRef idx="1">
-            <a:schemeClr val="accent1"/>
-          </a:lnRef>
-          <a:fillRef idx="0">
-            <a:schemeClr val="accent1"/>
-          </a:fillRef>
-          <a:effectRef idx="0">
-            <a:schemeClr val="accent1"/>
-          </a:effectRef>
-          <a:fontRef idx="minor">
-            <a:schemeClr val="tx1"/>
-          </a:fontRef>
-        </p:style>
-      </p:cxnSp>
-      <p:sp>
-        <p:nvSpPr>
-          <p:cNvPr id="375" name="TextBox 374">
-            <a:extLst>
-              <a:ext uri="{FF2B5EF4-FFF2-40B4-BE49-F238E27FC236}">
-                <a16:creationId xmlns:a16="http://schemas.microsoft.com/office/drawing/2014/main" id="{FF684945-91FD-40FE-A543-87E076460635}"/>
-              </a:ext>
-            </a:extLst>
-          </p:cNvPr>
-          <p:cNvSpPr txBox="1"/>
-          <p:nvPr/>
-        </p:nvSpPr>
-        <p:spPr>
-          <a:xfrm>
-            <a:off x="5187634" y="11662107"/>
-            <a:ext cx="1270882" cy="646331"/>
-          </a:xfrm>
-          <a:prstGeom prst="rect">
-            <a:avLst/>
-          </a:prstGeom>
-          <a:noFill/>
-        </p:spPr>
-        <p:txBody>
-          <a:bodyPr wrap="square" rtlCol="0">
-            <a:spAutoFit/>
-          </a:bodyPr>
-          <a:lstStyle>
-            <a:defPPr>
-              <a:defRPr lang="en-US"/>
-            </a:defPPr>
-            <a:lvl1pPr>
-              <a:defRPr b="1"/>
-            </a:lvl1pPr>
-          </a:lstStyle>
-          <a:p>
-            <a:pPr algn="ctr"/>
-            <a:r>
-              <a:rPr lang="en-US" dirty="0"/>
-              <a:t>Terrestrial water body</a:t>
-            </a:r>
-          </a:p>
-        </p:txBody>
-      </p:sp>
-      <p:sp>
-        <p:nvSpPr>
-          <p:cNvPr id="389" name="TextBox 388">
-            <a:extLst>
-              <a:ext uri="{FF2B5EF4-FFF2-40B4-BE49-F238E27FC236}">
-                <a16:creationId xmlns:a16="http://schemas.microsoft.com/office/drawing/2014/main" id="{0A0F5812-0A3F-40D0-A8EB-3A0B44C14161}"/>
-              </a:ext>
-            </a:extLst>
-          </p:cNvPr>
-          <p:cNvSpPr txBox="1"/>
-          <p:nvPr/>
-        </p:nvSpPr>
-        <p:spPr>
-          <a:xfrm>
-            <a:off x="11413801" y="11550108"/>
-            <a:ext cx="1655303" cy="700448"/>
-          </a:xfrm>
-          <a:prstGeom prst="rect">
-            <a:avLst/>
-          </a:prstGeom>
-          <a:noFill/>
-        </p:spPr>
-        <p:txBody>
-          <a:bodyPr wrap="square" rtlCol="0">
-            <a:spAutoFit/>
-          </a:bodyPr>
-          <a:lstStyle/>
-          <a:p>
-            <a:pPr algn="ctr"/>
-            <a:r>
-              <a:rPr lang="en-US" b="1" dirty="0"/>
-              <a:t>Suggest new category</a:t>
-            </a:r>
-          </a:p>
-        </p:txBody>
-      </p:sp>
-      <p:cxnSp>
-        <p:nvCxnSpPr>
-          <p:cNvPr id="399" name="Straight Arrow Connector 398">
-            <a:extLst>
-              <a:ext uri="{FF2B5EF4-FFF2-40B4-BE49-F238E27FC236}">
-                <a16:creationId xmlns:a16="http://schemas.microsoft.com/office/drawing/2014/main" id="{56FC691B-72B9-4CCA-8E51-1A78BECC7963}"/>
-              </a:ext>
-            </a:extLst>
-          </p:cNvPr>
-          <p:cNvCxnSpPr>
-            <a:cxnSpLocks/>
-            <a:stCxn id="247" idx="2"/>
-            <a:endCxn id="389" idx="0"/>
-          </p:cNvCxnSpPr>
-          <p:nvPr/>
-        </p:nvCxnSpPr>
-        <p:spPr>
-          <a:xfrm>
-            <a:off x="11192110" y="10580905"/>
-            <a:ext cx="1049343" cy="969203"/>
-          </a:xfrm>
-          <a:prstGeom prst="straightConnector1">
-            <a:avLst/>
-          </a:prstGeom>
-          <a:ln w="57150">
-            <a:solidFill>
-              <a:srgbClr val="FF0000"/>
-            </a:solidFill>
-            <a:prstDash val="sysDash"/>
-            <a:headEnd type="none" w="med" len="med"/>
-            <a:tailEnd type="triangle" w="med" len="med"/>
-          </a:ln>
-        </p:spPr>
-        <p:style>
-          <a:lnRef idx="1">
-            <a:schemeClr val="accent1"/>
-          </a:lnRef>
-          <a:fillRef idx="0">
-            <a:schemeClr val="accent1"/>
-          </a:fillRef>
-          <a:effectRef idx="0">
-            <a:schemeClr val="accent1"/>
-          </a:effectRef>
-          <a:fontRef idx="minor">
-            <a:schemeClr val="tx1"/>
-          </a:fontRef>
-        </p:style>
-      </p:cxnSp>
-      <p:cxnSp>
-        <p:nvCxnSpPr>
-          <p:cNvPr id="412" name="Straight Arrow Connector 411">
-            <a:extLst>
-              <a:ext uri="{FF2B5EF4-FFF2-40B4-BE49-F238E27FC236}">
-                <a16:creationId xmlns:a16="http://schemas.microsoft.com/office/drawing/2014/main" id="{AE19FBDB-AC6B-4B87-B238-B836BB4CE1DF}"/>
-              </a:ext>
-            </a:extLst>
-          </p:cNvPr>
-          <p:cNvCxnSpPr>
-            <a:cxnSpLocks/>
-            <a:stCxn id="247" idx="2"/>
-            <a:endCxn id="413" idx="3"/>
-          </p:cNvCxnSpPr>
-          <p:nvPr/>
-        </p:nvCxnSpPr>
-        <p:spPr>
-          <a:xfrm flipH="1">
-            <a:off x="10718638" y="10580905"/>
-            <a:ext cx="473472" cy="1176019"/>
-          </a:xfrm>
-          <a:prstGeom prst="straightConnector1">
-            <a:avLst/>
-          </a:prstGeom>
-          <a:ln w="57150">
-            <a:solidFill>
-              <a:srgbClr val="00B050"/>
-            </a:solidFill>
-            <a:headEnd type="none" w="med" len="med"/>
-            <a:tailEnd type="triangle" w="med" len="med"/>
-          </a:ln>
-        </p:spPr>
-        <p:style>
-          <a:lnRef idx="1">
-            <a:schemeClr val="accent1"/>
-          </a:lnRef>
-          <a:fillRef idx="0">
-            <a:schemeClr val="accent1"/>
-          </a:fillRef>
-          <a:effectRef idx="0">
-            <a:schemeClr val="accent1"/>
-          </a:effectRef>
-          <a:fontRef idx="minor">
-            <a:schemeClr val="tx1"/>
-          </a:fontRef>
-        </p:style>
-      </p:cxnSp>
-      <p:sp>
-        <p:nvSpPr>
-          <p:cNvPr id="413" name="TextBox 412">
-            <a:extLst>
-              <a:ext uri="{FF2B5EF4-FFF2-40B4-BE49-F238E27FC236}">
-                <a16:creationId xmlns:a16="http://schemas.microsoft.com/office/drawing/2014/main" id="{08CB29D6-E4A8-404A-B986-58E6AB103DF6}"/>
-              </a:ext>
-            </a:extLst>
-          </p:cNvPr>
-          <p:cNvSpPr txBox="1"/>
-          <p:nvPr/>
-        </p:nvSpPr>
-        <p:spPr>
-          <a:xfrm>
-            <a:off x="9225303" y="11572258"/>
-            <a:ext cx="1493335" cy="369332"/>
-          </a:xfrm>
-          <a:prstGeom prst="rect">
-            <a:avLst/>
-          </a:prstGeom>
-          <a:noFill/>
-        </p:spPr>
-        <p:txBody>
-          <a:bodyPr wrap="square" rtlCol="0">
-            <a:spAutoFit/>
-          </a:bodyPr>
-          <a:lstStyle>
-            <a:defPPr>
-              <a:defRPr lang="en-US"/>
-            </a:defPPr>
-            <a:lvl1pPr>
-              <a:defRPr b="1"/>
-            </a:lvl1pPr>
-          </a:lstStyle>
-          <a:p>
-            <a:pPr algn="ctr"/>
-            <a:r>
-              <a:rPr lang="en-US" dirty="0"/>
-              <a:t>Earth interior</a:t>
-            </a:r>
-          </a:p>
-        </p:txBody>
-      </p:sp>
-      <p:sp>
-        <p:nvSpPr>
-          <p:cNvPr id="163" name="TextBox 162">
-            <a:extLst>
-              <a:ext uri="{FF2B5EF4-FFF2-40B4-BE49-F238E27FC236}">
-                <a16:creationId xmlns:a16="http://schemas.microsoft.com/office/drawing/2014/main" id="{D8F23CEE-6CA3-4233-8566-967A02FCB49F}"/>
-              </a:ext>
-            </a:extLst>
-          </p:cNvPr>
-          <p:cNvSpPr txBox="1"/>
-          <p:nvPr/>
-        </p:nvSpPr>
-        <p:spPr>
-          <a:xfrm>
-            <a:off x="9274594" y="5497030"/>
-            <a:ext cx="872510" cy="246221"/>
-          </a:xfrm>
-          <a:prstGeom prst="rect">
-            <a:avLst/>
-          </a:prstGeom>
-          <a:noFill/>
-        </p:spPr>
-        <p:txBody>
-          <a:bodyPr wrap="square" rtlCol="0">
-            <a:spAutoFit/>
-          </a:bodyPr>
-          <a:lstStyle/>
-          <a:p>
-            <a:r>
-              <a:rPr lang="en-US" sz="1000" dirty="0"/>
-              <a:t>e.g. lab blank</a:t>
-            </a:r>
-          </a:p>
-        </p:txBody>
-      </p:sp>
-      <p:sp>
-        <p:nvSpPr>
-          <p:cNvPr id="164" name="TextBox 163">
-            <a:extLst>
-              <a:ext uri="{FF2B5EF4-FFF2-40B4-BE49-F238E27FC236}">
-                <a16:creationId xmlns:a16="http://schemas.microsoft.com/office/drawing/2014/main" id="{0B256ED8-A8FF-4548-8844-B0F58A4DB5DC}"/>
-              </a:ext>
-            </a:extLst>
-          </p:cNvPr>
-          <p:cNvSpPr txBox="1"/>
-          <p:nvPr/>
-        </p:nvSpPr>
-        <p:spPr>
-          <a:xfrm>
-            <a:off x="1824040" y="5861437"/>
-            <a:ext cx="2422255" cy="707886"/>
-          </a:xfrm>
-          <a:prstGeom prst="rect">
-            <a:avLst/>
-          </a:prstGeom>
-          <a:noFill/>
-        </p:spPr>
-        <p:txBody>
-          <a:bodyPr wrap="square" rtlCol="0">
-            <a:spAutoFit/>
-          </a:bodyPr>
-          <a:lstStyle/>
-          <a:p>
-            <a:r>
-              <a:rPr lang="en-US" sz="1000" dirty="0"/>
-              <a:t>Samples things at boundary between solid earth and hydrosphere or atmosphere; Includes samples representing things collected on the surface.</a:t>
-            </a:r>
-          </a:p>
-        </p:txBody>
-      </p:sp>
-      <p:cxnSp>
-        <p:nvCxnSpPr>
-          <p:cNvPr id="171" name="Straight Arrow Connector 170">
-            <a:extLst>
-              <a:ext uri="{FF2B5EF4-FFF2-40B4-BE49-F238E27FC236}">
-                <a16:creationId xmlns:a16="http://schemas.microsoft.com/office/drawing/2014/main" id="{9BB8D59A-2105-4E9D-A8C2-2806419B033B}"/>
-              </a:ext>
-            </a:extLst>
-          </p:cNvPr>
-          <p:cNvCxnSpPr>
-            <a:cxnSpLocks/>
-          </p:cNvCxnSpPr>
-          <p:nvPr/>
-        </p:nvCxnSpPr>
-        <p:spPr>
-          <a:xfrm>
-            <a:off x="10485919" y="1255034"/>
-            <a:ext cx="1146886" cy="31850"/>
-          </a:xfrm>
-          <a:prstGeom prst="straightConnector1">
-            <a:avLst/>
-          </a:prstGeom>
-          <a:ln w="57150">
-            <a:solidFill>
-              <a:srgbClr val="FF0000"/>
-            </a:solidFill>
-            <a:prstDash val="sysDash"/>
-            <a:headEnd type="none" w="med" len="med"/>
-            <a:tailEnd type="triangle" w="med" len="med"/>
-          </a:ln>
-        </p:spPr>
-        <p:style>
-          <a:lnRef idx="1">
-            <a:schemeClr val="accent1"/>
-          </a:lnRef>
-          <a:fillRef idx="0">
-            <a:schemeClr val="accent1"/>
-          </a:fillRef>
-          <a:effectRef idx="0">
-            <a:schemeClr val="accent1"/>
-          </a:effectRef>
-          <a:fontRef idx="minor">
-            <a:schemeClr val="tx1"/>
-          </a:fontRef>
-        </p:style>
-      </p:cxnSp>
-      <p:cxnSp>
-        <p:nvCxnSpPr>
-          <p:cNvPr id="172" name="Straight Arrow Connector 171">
-            <a:extLst>
-              <a:ext uri="{FF2B5EF4-FFF2-40B4-BE49-F238E27FC236}">
-                <a16:creationId xmlns:a16="http://schemas.microsoft.com/office/drawing/2014/main" id="{1920BAA1-EDC4-4814-B235-5E1D8739CAC3}"/>
-              </a:ext>
-            </a:extLst>
-          </p:cNvPr>
-          <p:cNvCxnSpPr>
-            <a:cxnSpLocks/>
-          </p:cNvCxnSpPr>
-          <p:nvPr/>
-        </p:nvCxnSpPr>
-        <p:spPr>
-          <a:xfrm>
-            <a:off x="10628913" y="809294"/>
-            <a:ext cx="860899" cy="5799"/>
-          </a:xfrm>
-          <a:prstGeom prst="straightConnector1">
-            <a:avLst/>
-          </a:prstGeom>
-          <a:ln w="57150">
-            <a:solidFill>
-              <a:srgbClr val="00B050"/>
-            </a:solidFill>
-            <a:headEnd type="none" w="med" len="med"/>
-            <a:tailEnd type="triangle" w="med" len="med"/>
-          </a:ln>
-        </p:spPr>
-        <p:style>
-          <a:lnRef idx="1">
-            <a:schemeClr val="accent1"/>
-          </a:lnRef>
-          <a:fillRef idx="0">
-            <a:schemeClr val="accent1"/>
-          </a:fillRef>
-          <a:effectRef idx="0">
-            <a:schemeClr val="accent1"/>
-          </a:effectRef>
-          <a:fontRef idx="minor">
-            <a:schemeClr val="tx1"/>
-          </a:fontRef>
-        </p:style>
-      </p:cxnSp>
-      <p:sp>
-        <p:nvSpPr>
-          <p:cNvPr id="173" name="TextBox 172">
-            <a:extLst>
-              <a:ext uri="{FF2B5EF4-FFF2-40B4-BE49-F238E27FC236}">
-                <a16:creationId xmlns:a16="http://schemas.microsoft.com/office/drawing/2014/main" id="{16761AB4-3E83-4D96-84F1-CA3348A34CCE}"/>
-              </a:ext>
-            </a:extLst>
-          </p:cNvPr>
-          <p:cNvSpPr txBox="1"/>
-          <p:nvPr/>
-        </p:nvSpPr>
-        <p:spPr>
-          <a:xfrm>
-            <a:off x="10753794" y="389318"/>
-            <a:ext cx="485518" cy="369332"/>
-          </a:xfrm>
-          <a:prstGeom prst="rect">
-            <a:avLst/>
-          </a:prstGeom>
-          <a:noFill/>
-        </p:spPr>
-        <p:txBody>
-          <a:bodyPr wrap="none" rtlCol="0">
-            <a:spAutoFit/>
-          </a:bodyPr>
-          <a:lstStyle/>
-          <a:p>
-            <a:r>
-              <a:rPr lang="en-US" dirty="0"/>
-              <a:t>Yes</a:t>
-            </a:r>
-          </a:p>
-        </p:txBody>
-      </p:sp>
-      <p:sp>
-        <p:nvSpPr>
-          <p:cNvPr id="174" name="TextBox 173">
-            <a:extLst>
-              <a:ext uri="{FF2B5EF4-FFF2-40B4-BE49-F238E27FC236}">
-                <a16:creationId xmlns:a16="http://schemas.microsoft.com/office/drawing/2014/main" id="{062291C5-D7E0-4A8A-BCEE-73262ED8E08E}"/>
-              </a:ext>
-            </a:extLst>
-          </p:cNvPr>
-          <p:cNvSpPr txBox="1"/>
-          <p:nvPr/>
-        </p:nvSpPr>
-        <p:spPr>
-          <a:xfrm>
-            <a:off x="10816602" y="935947"/>
-            <a:ext cx="455574" cy="369332"/>
-          </a:xfrm>
-          <a:prstGeom prst="rect">
-            <a:avLst/>
-          </a:prstGeom>
-          <a:noFill/>
-        </p:spPr>
-        <p:txBody>
-          <a:bodyPr wrap="none" rtlCol="0">
-            <a:spAutoFit/>
-          </a:bodyPr>
-          <a:lstStyle/>
-          <a:p>
-            <a:r>
-              <a:rPr lang="en-US" dirty="0"/>
-              <a:t>No</a:t>
-            </a:r>
-          </a:p>
-        </p:txBody>
-      </p:sp>
-      <p:sp>
-        <p:nvSpPr>
-          <p:cNvPr id="175" name="TextBox 174">
-            <a:extLst>
-              <a:ext uri="{FF2B5EF4-FFF2-40B4-BE49-F238E27FC236}">
-                <a16:creationId xmlns:a16="http://schemas.microsoft.com/office/drawing/2014/main" id="{B52815EC-CDD3-4765-B490-DAAF34889EAF}"/>
-              </a:ext>
-            </a:extLst>
-          </p:cNvPr>
-          <p:cNvSpPr txBox="1"/>
-          <p:nvPr/>
-        </p:nvSpPr>
-        <p:spPr>
-          <a:xfrm>
-            <a:off x="814961" y="13074013"/>
-            <a:ext cx="11538715" cy="646331"/>
-          </a:xfrm>
-          <a:prstGeom prst="rect">
-            <a:avLst/>
-          </a:prstGeom>
-          <a:noFill/>
-        </p:spPr>
-        <p:txBody>
-          <a:bodyPr wrap="square" rtlCol="0">
-            <a:spAutoFit/>
-          </a:bodyPr>
-          <a:lstStyle>
-            <a:defPPr>
-              <a:defRPr lang="en-US"/>
-            </a:defPPr>
-            <a:lvl1pPr>
-              <a:defRPr b="1"/>
-            </a:lvl1pPr>
-          </a:lstStyle>
-          <a:p>
-            <a:pPr algn="ctr"/>
-            <a:r>
-              <a:rPr lang="en-US" sz="3600" dirty="0" err="1"/>
-              <a:t>iSamples</a:t>
-            </a:r>
-            <a:r>
               <a:rPr lang="en-US" sz="3600" dirty="0"/>
-              <a:t> Sampled Feature Decision Tree</a:t>
+              <a:t>iSamples Sampled Feature Decision Tree  v. </a:t>
             </a:r>
           </a:p>
         </p:txBody>
@@ -6333,7 +5738,7 @@
         <p:spPr>
           <a:xfrm>
             <a:off x="8911707" y="4278957"/>
-            <a:ext cx="872812" cy="621781"/>
+            <a:ext cx="839483" cy="460541"/>
           </a:xfrm>
           <a:prstGeom prst="straightConnector1">
             <a:avLst/>
@@ -6875,41 +6280,6 @@
             <a:r>
               <a:rPr lang="en-US" dirty="0"/>
               <a:t>Active sediment from stream bed should be included in ‘Regolith, sediment or soil horizon’</a:t>
-            </a:r>
-          </a:p>
-        </p:txBody>
-      </p:sp>
-      <p:sp>
-        <p:nvSpPr>
-          <p:cNvPr id="379" name="TextBox 378">
-            <a:extLst>
-              <a:ext uri="{FF2B5EF4-FFF2-40B4-BE49-F238E27FC236}">
-                <a16:creationId xmlns:a16="http://schemas.microsoft.com/office/drawing/2014/main" id="{5618C86F-EE62-4466-A764-9C293A9A9F91}"/>
-              </a:ext>
-            </a:extLst>
-          </p:cNvPr>
-          <p:cNvSpPr txBox="1"/>
-          <p:nvPr/>
-        </p:nvSpPr>
-        <p:spPr>
-          <a:xfrm>
-            <a:off x="5165865" y="2151719"/>
-            <a:ext cx="1903687" cy="707886"/>
-          </a:xfrm>
-          <a:prstGeom prst="rect">
-            <a:avLst/>
-          </a:prstGeom>
-          <a:noFill/>
-        </p:spPr>
-        <p:txBody>
-          <a:bodyPr wrap="square" rtlCol="0">
-            <a:spAutoFit/>
-          </a:bodyPr>
-          <a:lstStyle/>
-          <a:p>
-            <a:r>
-              <a:rPr lang="en-US" sz="1000" dirty="0"/>
-              <a:t>Sample is not specifically focused on biological or ecological properties of the sampled feature</a:t>
             </a:r>
           </a:p>
         </p:txBody>
